--- a/inflearn01/doc/1.(심화)내가만든코드는개발테스트운영에서작동합니다.pptx
+++ b/inflearn01/doc/1.(심화)내가만든코드는개발테스트운영에서작동합니다.pptx
@@ -13,16 +13,16 @@
   <p:sldIdLst>
     <p:sldId id="300" r:id="rId2"/>
     <p:sldId id="304" r:id="rId3"/>
-    <p:sldId id="305" r:id="rId4"/>
-    <p:sldId id="307" r:id="rId5"/>
+    <p:sldId id="317" r:id="rId4"/>
+    <p:sldId id="305" r:id="rId5"/>
     <p:sldId id="308" r:id="rId6"/>
     <p:sldId id="314" r:id="rId7"/>
     <p:sldId id="310" r:id="rId8"/>
-    <p:sldId id="309" r:id="rId9"/>
-    <p:sldId id="292" r:id="rId10"/>
-    <p:sldId id="312" r:id="rId11"/>
-    <p:sldId id="311" r:id="rId12"/>
-    <p:sldId id="316" r:id="rId13"/>
+    <p:sldId id="320" r:id="rId9"/>
+    <p:sldId id="309" r:id="rId10"/>
+    <p:sldId id="321" r:id="rId11"/>
+    <p:sldId id="323" r:id="rId12"/>
+    <p:sldId id="324" r:id="rId13"/>
   </p:sldIdLst>
   <p:sldSz cx="12192000" cy="6858000"/>
   <p:notesSz cx="6858000" cy="9144000"/>
@@ -233,7 +233,7 @@
                 <a:latin typeface="맑은 고딕" panose="020B0503020000020004" pitchFamily="50" charset="-127"/>
                 <a:ea typeface="맑은 고딕" panose="020B0503020000020004" pitchFamily="50" charset="-127"/>
               </a:rPr>
-              <a:t>2021년 6월 12일</a:t>
+              <a:t>2021년 6월 25일</a:t>
             </a:fld>
             <a:endParaRPr lang="ko-KR" altLang="en-US">
               <a:latin typeface="맑은 고딕" panose="020B0503020000020004" pitchFamily="50" charset="-127"/>
@@ -419,7 +419,7 @@
             <a:fld id="{BE16EC8A-0758-4FA9-BF4D-3119057076D1}" type="datetime4">
               <a:rPr lang="ko-KR" altLang="en-US" smtClean="0"/>
               <a:pPr/>
-              <a:t>2021년 6월 12일</a:t>
+              <a:t>2021년 6월 25일</a:t>
             </a:fld>
             <a:endParaRPr lang="ko-KR" altLang="en-US"/>
           </a:p>
@@ -2901,7 +2901,7 @@
           <a:p>
             <a:fld id="{2A5B65E4-62A8-4988-B07B-5D6D443B14ED}" type="datetime4">
               <a:rPr lang="ko-KR" altLang="en-US" smtClean="0"/>
-              <a:t>2021년 6월 12일</a:t>
+              <a:t>2021년 6월 25일</a:t>
             </a:fld>
             <a:endParaRPr lang="ko-KR" altLang="en-US"/>
           </a:p>
@@ -3157,7 +3157,7 @@
           <a:p>
             <a:fld id="{58EB6286-0DE7-4336-9826-977AD102FCF2}" type="datetime4">
               <a:rPr lang="ko-KR" altLang="en-US" noProof="0" smtClean="0"/>
-              <a:t>2021년 6월 12일</a:t>
+              <a:t>2021년 6월 25일</a:t>
             </a:fld>
             <a:endParaRPr lang="ko-KR" altLang="en-US" noProof="0"/>
           </a:p>
@@ -3353,7 +3353,7 @@
             <a:pPr rtl="0"/>
             <a:fld id="{6A5419DA-7218-42E5-A443-F000500111E1}" type="datetime4">
               <a:rPr lang="ko-KR" altLang="en-US" noProof="0" smtClean="0"/>
-              <a:t>2021년 6월 12일</a:t>
+              <a:t>2021년 6월 25일</a:t>
             </a:fld>
             <a:endParaRPr lang="ko-KR" altLang="en-US" noProof="0"/>
           </a:p>
@@ -5754,7 +5754,7 @@
           <a:p>
             <a:fld id="{E498C52F-1DF1-4226-BAB6-C1E2EE4C9D62}" type="datetime4">
               <a:rPr lang="ko-KR" altLang="en-US" noProof="0" smtClean="0"/>
-              <a:t>2021년 6월 12일</a:t>
+              <a:t>2021년 6월 25일</a:t>
             </a:fld>
             <a:endParaRPr lang="ko-KR" altLang="en-US" noProof="0"/>
           </a:p>
@@ -6273,7 +6273,7 @@
           <a:p>
             <a:fld id="{7B1E1FFC-F755-4558-8D3C-A157D1A01A8A}" type="datetime4">
               <a:rPr lang="ko-KR" altLang="en-US" noProof="0" smtClean="0"/>
-              <a:t>2021년 6월 12일</a:t>
+              <a:t>2021년 6월 25일</a:t>
             </a:fld>
             <a:endParaRPr lang="ko-KR" altLang="en-US" noProof="0"/>
           </a:p>
@@ -6417,7 +6417,7 @@
             <a:pPr rtl="0"/>
             <a:fld id="{DA2A33C0-A4A8-4C90-B6DA-35B8CF58C816}" type="datetime4">
               <a:rPr lang="ko-KR" altLang="en-US" noProof="0" smtClean="0"/>
-              <a:t>2021년 6월 12일</a:t>
+              <a:t>2021년 6월 25일</a:t>
             </a:fld>
             <a:endParaRPr lang="ko-KR" altLang="en-US" noProof="0"/>
           </a:p>
@@ -8365,7 +8365,7 @@
           <a:p>
             <a:fld id="{53CB1B8F-A14A-4BE4-A9B9-3B263F04145C}" type="datetime4">
               <a:rPr lang="ko-KR" altLang="en-US" noProof="0" smtClean="0"/>
-              <a:t>2021년 6월 12일</a:t>
+              <a:t>2021년 6월 25일</a:t>
             </a:fld>
             <a:endParaRPr lang="ko-KR" altLang="en-US" noProof="0"/>
           </a:p>
@@ -10662,7 +10662,7 @@
           <a:p>
             <a:fld id="{5B9196A3-957C-4113-A568-B6ED9AEA3D01}" type="datetime4">
               <a:rPr lang="ko-KR" altLang="en-US" noProof="0" smtClean="0"/>
-              <a:t>2021년 6월 12일</a:t>
+              <a:t>2021년 6월 25일</a:t>
             </a:fld>
             <a:endParaRPr lang="ko-KR" altLang="en-US" noProof="0"/>
           </a:p>
@@ -14979,7 +14979,7 @@
           <a:p>
             <a:fld id="{28BEB146-D335-4DA5-9826-58595BCDBE2E}" type="datetime4">
               <a:rPr lang="ko-KR" altLang="en-US" noProof="0" smtClean="0"/>
-              <a:t>2021년 6월 12일</a:t>
+              <a:t>2021년 6월 25일</a:t>
             </a:fld>
             <a:endParaRPr lang="ko-KR" altLang="en-US" noProof="0"/>
           </a:p>
@@ -15516,7 +15516,7 @@
         </p:spPr>
         <p:txBody>
           <a:bodyPr>
-            <a:normAutofit fontScale="92500" lnSpcReduction="10000"/>
+            <a:normAutofit fontScale="85000" lnSpcReduction="20000"/>
           </a:bodyPr>
           <a:lstStyle/>
           <a:p>
@@ -15529,25 +15529,18 @@
           <a:p>
             <a:pPr lvl="1"/>
             <a:r>
-              <a:rPr lang="ko-KR" altLang="en-US" dirty="0"/>
-              <a:t>내장형 </a:t>
-            </a:r>
-            <a:r>
-              <a:rPr lang="ko-KR" altLang="en-US" dirty="0" err="1"/>
-              <a:t>톰캣</a:t>
+              <a:rPr lang="ko-KR" altLang="en-US"/>
+              <a:t>내장형 톰캣</a:t>
             </a:r>
             <a:endParaRPr lang="en-US" altLang="ko-KR" dirty="0"/>
           </a:p>
           <a:p>
             <a:pPr lvl="1"/>
             <a:r>
-              <a:rPr lang="ko-KR" altLang="en-US" dirty="0"/>
-              <a:t>개발자 </a:t>
-            </a:r>
-            <a:r>
-              <a:rPr lang="en-US" altLang="ko-KR" dirty="0"/>
-              <a:t>PC</a:t>
-            </a:r>
+              <a:rPr lang="ko-KR" altLang="en-US"/>
+              <a:t>개발자마다  다른 실행 환경</a:t>
+            </a:r>
+            <a:endParaRPr lang="en-US" altLang="ko-KR" dirty="0"/>
           </a:p>
           <a:p>
             <a:r>
@@ -15560,15 +15553,19 @@
             <a:pPr lvl="1"/>
             <a:r>
               <a:rPr lang="en-US" altLang="ko-KR" dirty="0"/>
-              <a:t>WEB/WAS, </a:t>
-            </a:r>
-            <a:r>
-              <a:rPr lang="en-US" altLang="ko-KR" dirty="0" err="1"/>
-              <a:t>javax.sql.DataSource</a:t>
-            </a:r>
-            <a:r>
-              <a:rPr lang="en-US" altLang="ko-KR" dirty="0"/>
-              <a:t>(Connection Pool) </a:t>
+              <a:t>WEB</a:t>
+            </a:r>
+            <a:r>
+              <a:rPr lang="en-US" altLang="ko-KR"/>
+              <a:t>/WAS </a:t>
+            </a:r>
+            <a:r>
+              <a:rPr lang="ko-KR" altLang="en-US"/>
+              <a:t>분리</a:t>
+            </a:r>
+            <a:r>
+              <a:rPr lang="en-US" altLang="ko-KR"/>
+              <a:t>, Connection Pool </a:t>
             </a:r>
             <a:r>
               <a:rPr lang="ko-KR" altLang="en-US" dirty="0"/>
@@ -15584,8 +15581,25 @@
             </a:r>
             <a:r>
               <a:rPr lang="en-US" altLang="ko-KR" dirty="0"/>
-              <a:t>(Daily Build)</a:t>
-            </a:r>
+              <a:t>(Daily </a:t>
+            </a:r>
+            <a:r>
+              <a:rPr lang="en-US" altLang="ko-KR"/>
+              <a:t>Build), </a:t>
+            </a:r>
+            <a:r>
+              <a:rPr lang="ko-KR" altLang="en-US"/>
+              <a:t>수시로 자원이 교체</a:t>
+            </a:r>
+            <a:endParaRPr lang="en-US" altLang="ko-KR"/>
+          </a:p>
+          <a:p>
+            <a:pPr lvl="1"/>
+            <a:r>
+              <a:rPr lang="ko-KR" altLang="en-US"/>
+              <a:t>이미지 단위 배포</a:t>
+            </a:r>
+            <a:endParaRPr lang="en-US" altLang="ko-KR" dirty="0"/>
           </a:p>
           <a:p>
             <a:r>
@@ -15597,16 +15611,24 @@
           <a:p>
             <a:pPr lvl="1"/>
             <a:r>
-              <a:rPr lang="ko-KR" altLang="en-US" dirty="0"/>
+              <a:rPr lang="ko-KR" altLang="en-US"/>
               <a:t>이중화</a:t>
             </a:r>
             <a:r>
-              <a:rPr lang="en-US" altLang="ko-KR" dirty="0"/>
+              <a:rPr lang="en-US" altLang="ko-KR"/>
               <a:t>, </a:t>
             </a:r>
             <a:r>
-              <a:rPr lang="ko-KR" altLang="en-US" dirty="0"/>
-              <a:t>컨테이너 식별자 필요</a:t>
+              <a:rPr lang="ko-KR" altLang="en-US"/>
+              <a:t>프로그램</a:t>
+            </a:r>
+            <a:r>
+              <a:rPr lang="en-US" altLang="ko-KR"/>
+              <a:t>(WAS)</a:t>
+            </a:r>
+            <a:r>
+              <a:rPr lang="ko-KR" altLang="en-US"/>
+              <a:t> 구분이 필요</a:t>
             </a:r>
             <a:endParaRPr lang="en-US" altLang="ko-KR" dirty="0"/>
           </a:p>
@@ -15621,18 +15643,10 @@
           <a:p>
             <a:pPr lvl="1"/>
             <a:r>
-              <a:rPr lang="ko-KR" altLang="en-US" dirty="0"/>
-              <a:t>형상 통제</a:t>
-            </a:r>
-            <a:r>
-              <a:rPr lang="en-US" altLang="ko-KR" dirty="0"/>
-              <a:t>, </a:t>
-            </a:r>
-            <a:r>
-              <a:rPr lang="ko-KR" altLang="en-US" dirty="0"/>
-              <a:t>재가동 비용이 큼</a:t>
-            </a:r>
-            <a:endParaRPr lang="en-US" altLang="ko-KR" dirty="0"/>
+              <a:rPr lang="ko-KR" altLang="en-US"/>
+              <a:t>성능을 위한 캐쉬기능 사용</a:t>
+            </a:r>
+            <a:endParaRPr lang="en-US" altLang="ko-KR"/>
           </a:p>
         </p:txBody>
       </p:sp>
@@ -15683,7 +15697,7 @@
           <p:cNvPr id="2" name="제목 1">
             <a:extLst>
               <a:ext uri="{FF2B5EF4-FFF2-40B4-BE49-F238E27FC236}">
-                <a16:creationId xmlns:a16="http://schemas.microsoft.com/office/drawing/2014/main" id="{42F30CF5-9949-4628-8C98-E505066C9C61}"/>
+                <a16:creationId xmlns:a16="http://schemas.microsoft.com/office/drawing/2014/main" id="{4C0E251B-8424-4799-AA80-B09FDFAD73A2}"/>
               </a:ext>
             </a:extLst>
           </p:cNvPr>
@@ -15696,105 +15710,76 @@
         </p:nvSpPr>
         <p:spPr/>
         <p:txBody>
-          <a:bodyPr/>
+          <a:bodyPr>
+            <a:normAutofit/>
+          </a:bodyPr>
           <a:lstStyle/>
           <a:p>
             <a:r>
               <a:rPr lang="ko-KR" altLang="en-US"/>
-              <a:t>내가 만든 코드는</a:t>
+              <a:t>부가정보</a:t>
             </a:r>
             <a:br>
               <a:rPr lang="en-US" altLang="ko-KR"/>
             </a:br>
             <a:r>
               <a:rPr lang="ko-KR" altLang="en-US"/>
-              <a:t>개발</a:t>
+              <a:t>운영환경여부</a:t>
             </a:r>
             <a:r>
               <a:rPr lang="en-US" altLang="ko-KR"/>
-              <a:t>/</a:t>
+              <a:t>, </a:t>
             </a:r>
             <a:r>
               <a:rPr lang="ko-KR" altLang="en-US"/>
-              <a:t>테스트</a:t>
+              <a:t>로그사용여부</a:t>
             </a:r>
             <a:r>
               <a:rPr lang="en-US" altLang="ko-KR"/>
-              <a:t>/</a:t>
+              <a:t>, </a:t>
             </a:r>
             <a:r>
               <a:rPr lang="ko-KR" altLang="en-US"/>
-              <a:t>운영에서 작동합니다</a:t>
-            </a:r>
-            <a:r>
-              <a:rPr lang="en-US" altLang="ko-KR"/>
-              <a:t>.</a:t>
-            </a:r>
-            <a:endParaRPr lang="ko-KR" altLang="en-US"/>
-          </a:p>
-        </p:txBody>
-      </p:sp>
-      <p:sp>
-        <p:nvSpPr>
-          <p:cNvPr id="3" name="내용 개체 틀 2">
-            <a:extLst>
-              <a:ext uri="{FF2B5EF4-FFF2-40B4-BE49-F238E27FC236}">
-                <a16:creationId xmlns:a16="http://schemas.microsoft.com/office/drawing/2014/main" id="{9A0EA8B7-53D3-4D13-9A2E-17CCBA9BBB6E}"/>
-              </a:ext>
-            </a:extLst>
-          </p:cNvPr>
-          <p:cNvSpPr>
-            <a:spLocks noGrp="1"/>
-          </p:cNvSpPr>
-          <p:nvPr>
-            <p:ph idx="1"/>
-          </p:nvPr>
-        </p:nvSpPr>
-        <p:spPr/>
-        <p:txBody>
-          <a:bodyPr/>
-          <a:lstStyle/>
-          <a:p>
-            <a:r>
-              <a:rPr lang="ko-KR" altLang="en-US"/>
-              <a:t>리로드 기능 </a:t>
-            </a:r>
-            <a:r>
-              <a:rPr lang="en-US" altLang="ko-KR"/>
-              <a:t>: </a:t>
-            </a:r>
-            <a:r>
-              <a:rPr lang="ko-KR" altLang="en-US"/>
-              <a:t>재사용</a:t>
-            </a:r>
-            <a:r>
-              <a:rPr lang="en-US" altLang="ko-KR"/>
-              <a:t>(</a:t>
-            </a:r>
-            <a:r>
-              <a:rPr lang="ko-KR" altLang="en-US"/>
-              <a:t>캐쉬</a:t>
-            </a:r>
-            <a:r>
-              <a:rPr lang="en-US" altLang="ko-KR"/>
-              <a:t>)</a:t>
-            </a:r>
-            <a:r>
-              <a:rPr lang="ko-KR" altLang="en-US"/>
-              <a:t>된 데이터를 삭제</a:t>
-            </a:r>
-          </a:p>
-          <a:p>
-            <a:endParaRPr lang="ko-KR" altLang="en-US"/>
+              <a:t>캐쉬기능사용여부등</a:t>
+            </a:r>
           </a:p>
         </p:txBody>
       </p:sp>
       <p:pic>
         <p:nvPicPr>
-          <p:cNvPr id="4" name="그림 3">
+          <p:cNvPr id="5" name="내용 개체 틀 4">
             <a:extLst>
               <a:ext uri="{FF2B5EF4-FFF2-40B4-BE49-F238E27FC236}">
-                <a16:creationId xmlns:a16="http://schemas.microsoft.com/office/drawing/2014/main" id="{975B7947-E6EF-487D-9D2E-17C4B8D10E35}"/>
+                <a16:creationId xmlns:a16="http://schemas.microsoft.com/office/drawing/2014/main" id="{A03F5F51-7888-49F2-B8AE-3F890CBADF49}"/>
+              </a:ext>
+            </a:extLst>
+          </p:cNvPr>
+          <p:cNvPicPr>
+            <a:picLocks noGrp="1" noChangeAspect="1"/>
+          </p:cNvPicPr>
+          <p:nvPr>
+            <p:ph idx="1"/>
+          </p:nvPr>
+        </p:nvPicPr>
+        <p:blipFill>
+          <a:blip r:embed="rId2"/>
+          <a:stretch>
+            <a:fillRect/>
+          </a:stretch>
+        </p:blipFill>
+        <p:spPr>
+          <a:xfrm>
+            <a:off x="1516227" y="2247118"/>
+            <a:ext cx="2524477" cy="2734057"/>
+          </a:xfrm>
+        </p:spPr>
+      </p:pic>
+      <p:pic>
+        <p:nvPicPr>
+          <p:cNvPr id="7" name="그림 6">
+            <a:extLst>
+              <a:ext uri="{FF2B5EF4-FFF2-40B4-BE49-F238E27FC236}">
+                <a16:creationId xmlns:a16="http://schemas.microsoft.com/office/drawing/2014/main" id="{6788E913-882D-494F-A609-AD1E4F9F0786}"/>
               </a:ext>
             </a:extLst>
           </p:cNvPr>
@@ -15804,88 +15789,25 @@
           <p:nvPr/>
         </p:nvPicPr>
         <p:blipFill>
-          <a:blip r:embed="rId2"/>
+          <a:blip r:embed="rId3"/>
           <a:stretch>
             <a:fillRect/>
           </a:stretch>
         </p:blipFill>
         <p:spPr>
           <a:xfrm>
-            <a:off x="1464658" y="3073879"/>
-            <a:ext cx="5824870" cy="1452657"/>
+            <a:off x="4954788" y="3773308"/>
+            <a:ext cx="6393019" cy="1207867"/>
           </a:xfrm>
           <a:prstGeom prst="rect">
             <a:avLst/>
           </a:prstGeom>
         </p:spPr>
       </p:pic>
-      <p:sp>
-        <p:nvSpPr>
-          <p:cNvPr id="5" name="TextBox 4">
-            <a:extLst>
-              <a:ext uri="{FF2B5EF4-FFF2-40B4-BE49-F238E27FC236}">
-                <a16:creationId xmlns:a16="http://schemas.microsoft.com/office/drawing/2014/main" id="{B47F5132-92C0-4BAF-A41A-CAC54764350B}"/>
-              </a:ext>
-            </a:extLst>
-          </p:cNvPr>
-          <p:cNvSpPr txBox="1"/>
-          <p:nvPr/>
-        </p:nvSpPr>
-        <p:spPr>
-          <a:xfrm>
-            <a:off x="1411981" y="2613258"/>
-            <a:ext cx="2892981" cy="369332"/>
-          </a:xfrm>
-          <a:prstGeom prst="rect">
-            <a:avLst/>
-          </a:prstGeom>
-          <a:noFill/>
-        </p:spPr>
-        <p:txBody>
-          <a:bodyPr wrap="square" rtlCol="0">
-            <a:spAutoFit/>
-          </a:bodyPr>
-          <a:lstStyle/>
-          <a:p>
-            <a:r>
-              <a:rPr lang="en-US" altLang="ko-KR" sz="1800">
-                <a:solidFill>
-                  <a:schemeClr val="accent1"/>
-                </a:solidFill>
-                <a:latin typeface="Consolas" panose="020B0609020204030204" pitchFamily="49" charset="0"/>
-              </a:rPr>
-              <a:t>- </a:t>
-            </a:r>
-            <a:r>
-              <a:rPr lang="en-US" altLang="ko-KR">
-                <a:solidFill>
-                  <a:schemeClr val="accent1"/>
-                </a:solidFill>
-                <a:latin typeface="Consolas" panose="020B0609020204030204" pitchFamily="49" charset="0"/>
-              </a:rPr>
-              <a:t>TraceRunnter</a:t>
-            </a:r>
-            <a:r>
-              <a:rPr lang="en-US" altLang="ko-KR" sz="1800">
-                <a:solidFill>
-                  <a:schemeClr val="accent1"/>
-                </a:solidFill>
-                <a:latin typeface="Consolas" panose="020B0609020204030204" pitchFamily="49" charset="0"/>
-              </a:rPr>
-              <a:t>.java</a:t>
-            </a:r>
-            <a:endParaRPr lang="ko-KR" altLang="en-US" dirty="0">
-              <a:solidFill>
-                <a:schemeClr val="accent1"/>
-              </a:solidFill>
-            </a:endParaRPr>
-          </a:p>
-        </p:txBody>
-      </p:sp>
     </p:spTree>
     <p:extLst>
       <p:ext uri="{BB962C8B-B14F-4D97-AF65-F5344CB8AC3E}">
-        <p14:creationId xmlns:p14="http://schemas.microsoft.com/office/powerpoint/2010/main" val="715823335"/>
+        <p14:creationId xmlns:p14="http://schemas.microsoft.com/office/powerpoint/2010/main" val="3264483909"/>
       </p:ext>
     </p:extLst>
   </p:cSld>
@@ -15929,7 +15851,7 @@
           <p:cNvPr id="2" name="제목 1">
             <a:extLst>
               <a:ext uri="{FF2B5EF4-FFF2-40B4-BE49-F238E27FC236}">
-                <a16:creationId xmlns:a16="http://schemas.microsoft.com/office/drawing/2014/main" id="{28D78D5F-E582-4987-91DF-9C7C5BEBD4EB}"/>
+                <a16:creationId xmlns:a16="http://schemas.microsoft.com/office/drawing/2014/main" id="{4C0E251B-8424-4799-AA80-B09FDFAD73A2}"/>
               </a:ext>
             </a:extLst>
           </p:cNvPr>
@@ -15942,241 +15864,100 @@
         </p:nvSpPr>
         <p:spPr/>
         <p:txBody>
-          <a:bodyPr/>
-          <a:lstStyle/>
-          <a:p>
-            <a:r>
-              <a:rPr lang="ko-KR" altLang="en-US" dirty="0"/>
-              <a:t>내가 만든 코드는</a:t>
-            </a:r>
-            <a:br>
-              <a:rPr lang="en-US" altLang="ko-KR" dirty="0"/>
-            </a:br>
-            <a:r>
-              <a:rPr lang="ko-KR" altLang="en-US" dirty="0"/>
-              <a:t>개발</a:t>
-            </a:r>
-            <a:r>
-              <a:rPr lang="en-US" altLang="ko-KR" dirty="0"/>
-              <a:t>/</a:t>
-            </a:r>
-            <a:r>
-              <a:rPr lang="ko-KR" altLang="en-US" dirty="0"/>
-              <a:t>테스트</a:t>
-            </a:r>
-            <a:r>
-              <a:rPr lang="en-US" altLang="ko-KR" dirty="0"/>
-              <a:t>/</a:t>
-            </a:r>
-            <a:r>
-              <a:rPr lang="ko-KR" altLang="en-US" dirty="0"/>
-              <a:t>운영에서 작동합니다</a:t>
-            </a:r>
-            <a:r>
-              <a:rPr lang="en-US" altLang="ko-KR" dirty="0"/>
-              <a:t>.</a:t>
-            </a:r>
-            <a:endParaRPr lang="ko-KR" altLang="en-US" dirty="0"/>
-          </a:p>
-        </p:txBody>
-      </p:sp>
-      <p:sp>
-        <p:nvSpPr>
-          <p:cNvPr id="3" name="내용 개체 틀 2">
-            <a:extLst>
-              <a:ext uri="{FF2B5EF4-FFF2-40B4-BE49-F238E27FC236}">
-                <a16:creationId xmlns:a16="http://schemas.microsoft.com/office/drawing/2014/main" id="{DFA47AE3-6532-4E43-9E16-6D279FF62F6D}"/>
-              </a:ext>
-            </a:extLst>
-          </p:cNvPr>
-          <p:cNvSpPr>
-            <a:spLocks noGrp="1"/>
-          </p:cNvSpPr>
-          <p:nvPr>
-            <p:ph idx="1"/>
-          </p:nvPr>
-        </p:nvSpPr>
-        <p:spPr>
-          <a:xfrm>
-            <a:off x="1295400" y="1956924"/>
-            <a:ext cx="9601200" cy="3809999"/>
-          </a:xfrm>
-        </p:spPr>
-        <p:txBody>
           <a:bodyPr>
             <a:normAutofit/>
           </a:bodyPr>
           <a:lstStyle/>
           <a:p>
             <a:r>
-              <a:rPr lang="ko-KR" altLang="en-US" dirty="0">
-                <a:solidFill>
-                  <a:schemeClr val="accent1"/>
-                </a:solidFill>
-              </a:rPr>
-              <a:t>실행하는 환경에 의존하지 않는 작동하는 소프트웨어 전달</a:t>
-            </a:r>
-            <a:endParaRPr lang="en-US" altLang="ko-KR" dirty="0">
-              <a:solidFill>
-                <a:schemeClr val="accent1"/>
-              </a:solidFill>
-            </a:endParaRPr>
-          </a:p>
-          <a:p>
-            <a:r>
-              <a:rPr lang="ko-KR" altLang="en-US" dirty="0" err="1">
-                <a:solidFill>
-                  <a:schemeClr val="accent1"/>
-                </a:solidFill>
-              </a:rPr>
-              <a:t>비기능</a:t>
-            </a:r>
-            <a:r>
-              <a:rPr lang="ko-KR" altLang="en-US" dirty="0">
-                <a:solidFill>
-                  <a:schemeClr val="accent1"/>
-                </a:solidFill>
-              </a:rPr>
-              <a:t> 품질속성 중 </a:t>
-            </a:r>
-            <a:r>
-              <a:rPr lang="ko-KR" altLang="en-US" dirty="0" err="1">
-                <a:solidFill>
-                  <a:schemeClr val="accent1"/>
-                </a:solidFill>
-              </a:rPr>
-              <a:t>이식성</a:t>
-            </a:r>
-            <a:r>
-              <a:rPr lang="ko-KR" altLang="en-US" dirty="0">
-                <a:solidFill>
-                  <a:schemeClr val="accent1"/>
-                </a:solidFill>
-              </a:rPr>
-              <a:t> 해결</a:t>
-            </a:r>
-            <a:endParaRPr lang="en-US" altLang="ko-KR" dirty="0">
-              <a:solidFill>
-                <a:schemeClr val="accent1"/>
-              </a:solidFill>
-            </a:endParaRPr>
-          </a:p>
-          <a:p>
-            <a:pPr lvl="1"/>
-            <a:r>
-              <a:rPr lang="ko-KR" altLang="en-US" dirty="0"/>
-              <a:t>기준경로 </a:t>
-            </a:r>
-            <a:r>
-              <a:rPr lang="en-US" altLang="ko-KR" dirty="0"/>
-              <a:t>: WAS </a:t>
-            </a:r>
-            <a:r>
-              <a:rPr lang="ko-KR" altLang="en-US" dirty="0"/>
-              <a:t>의 </a:t>
-            </a:r>
-            <a:r>
-              <a:rPr lang="en-US" altLang="ko-KR" dirty="0"/>
-              <a:t>ROOT(</a:t>
-            </a:r>
-            <a:r>
-              <a:rPr lang="ko-KR" altLang="en-US" dirty="0"/>
-              <a:t>절대 경로</a:t>
-            </a:r>
-            <a:r>
-              <a:rPr lang="en-US" altLang="ko-KR" dirty="0"/>
-              <a:t>)</a:t>
-            </a:r>
-          </a:p>
-          <a:p>
-            <a:pPr lvl="1"/>
-            <a:r>
-              <a:rPr lang="ko-KR" altLang="en-US" dirty="0"/>
-              <a:t>호스트 이름 </a:t>
-            </a:r>
-            <a:r>
-              <a:rPr lang="en-US" altLang="ko-KR" dirty="0"/>
-              <a:t>: WAS </a:t>
-            </a:r>
-            <a:r>
-              <a:rPr lang="ko-KR" altLang="en-US" dirty="0"/>
-              <a:t>가 실행되는 컴퓨터 이름</a:t>
-            </a:r>
-            <a:endParaRPr lang="en-US" altLang="ko-KR" dirty="0"/>
-          </a:p>
-          <a:p>
-            <a:pPr lvl="1"/>
-            <a:r>
-              <a:rPr lang="en-US" altLang="ko-KR" dirty="0"/>
-              <a:t>WAS(</a:t>
-            </a:r>
-            <a:r>
-              <a:rPr lang="ko-KR" altLang="en-US" dirty="0"/>
-              <a:t>컨테이너</a:t>
-            </a:r>
-            <a:r>
-              <a:rPr lang="en-US" altLang="ko-KR" dirty="0"/>
-              <a:t>)</a:t>
-            </a:r>
-            <a:r>
-              <a:rPr lang="ko-KR" altLang="en-US" dirty="0"/>
-              <a:t> </a:t>
-            </a:r>
-            <a:r>
-              <a:rPr lang="en-US" altLang="ko-KR" dirty="0"/>
-              <a:t>: WAS</a:t>
-            </a:r>
-            <a:r>
-              <a:rPr lang="ko-KR" altLang="en-US" dirty="0"/>
-              <a:t> 를 구분할 수 있는 이름</a:t>
-            </a:r>
-            <a:endParaRPr lang="en-US" altLang="ko-KR" dirty="0"/>
-          </a:p>
-          <a:p>
-            <a:pPr lvl="1"/>
-            <a:r>
-              <a:rPr lang="ko-KR" altLang="en-US" dirty="0" err="1"/>
-              <a:t>리로드</a:t>
-            </a:r>
-            <a:r>
-              <a:rPr lang="ko-KR" altLang="en-US" dirty="0"/>
-              <a:t> 기능 </a:t>
-            </a:r>
-            <a:r>
-              <a:rPr lang="en-US" altLang="ko-KR" dirty="0"/>
-              <a:t>: </a:t>
-            </a:r>
-            <a:r>
-              <a:rPr lang="ko-KR" altLang="en-US" dirty="0"/>
-              <a:t>재사용</a:t>
-            </a:r>
-            <a:r>
-              <a:rPr lang="en-US" altLang="ko-KR" dirty="0"/>
-              <a:t>(</a:t>
-            </a:r>
-            <a:r>
-              <a:rPr lang="ko-KR" altLang="en-US" dirty="0"/>
-              <a:t>캐쉬</a:t>
-            </a:r>
-            <a:r>
-              <a:rPr lang="en-US" altLang="ko-KR" dirty="0"/>
-              <a:t>)</a:t>
-            </a:r>
-            <a:r>
-              <a:rPr lang="ko-KR" altLang="en-US" dirty="0"/>
-              <a:t>된 데이터를 삭제</a:t>
-            </a:r>
-            <a:endParaRPr lang="en-US" altLang="ko-KR" dirty="0"/>
-          </a:p>
-          <a:p>
-            <a:endParaRPr lang="en-US" altLang="ko-KR" dirty="0"/>
+              <a:rPr lang="ko-KR" altLang="en-US"/>
+              <a:t>보호정보</a:t>
+            </a:r>
+            <a:br>
+              <a:rPr lang="en-US" altLang="ko-KR"/>
+            </a:br>
+            <a:r>
+              <a:rPr lang="en-US" altLang="ko-KR"/>
+              <a:t>DBMS </a:t>
+            </a:r>
+            <a:r>
+              <a:rPr lang="ko-KR" altLang="en-US"/>
+              <a:t>접속정보</a:t>
+            </a:r>
+            <a:r>
+              <a:rPr lang="en-US" altLang="ko-KR"/>
+              <a:t>, </a:t>
+            </a:r>
+            <a:r>
+              <a:rPr lang="ko-KR" altLang="en-US"/>
+              <a:t>비밀키 등</a:t>
+            </a:r>
           </a:p>
         </p:txBody>
       </p:sp>
+      <p:pic>
+        <p:nvPicPr>
+          <p:cNvPr id="10" name="내용 개체 틀 9">
+            <a:extLst>
+              <a:ext uri="{FF2B5EF4-FFF2-40B4-BE49-F238E27FC236}">
+                <a16:creationId xmlns:a16="http://schemas.microsoft.com/office/drawing/2014/main" id="{92C54258-F39A-4523-936A-782E3F636112}"/>
+              </a:ext>
+            </a:extLst>
+          </p:cNvPr>
+          <p:cNvPicPr>
+            <a:picLocks noGrp="1" noChangeAspect="1"/>
+          </p:cNvPicPr>
+          <p:nvPr>
+            <p:ph idx="1"/>
+          </p:nvPr>
+        </p:nvPicPr>
+        <p:blipFill>
+          <a:blip r:embed="rId2"/>
+          <a:stretch>
+            <a:fillRect/>
+          </a:stretch>
+        </p:blipFill>
+        <p:spPr>
+          <a:xfrm>
+            <a:off x="1243587" y="2086079"/>
+            <a:ext cx="3854964" cy="2610535"/>
+          </a:xfrm>
+        </p:spPr>
+      </p:pic>
+      <p:pic>
+        <p:nvPicPr>
+          <p:cNvPr id="14" name="그림 13">
+            <a:extLst>
+              <a:ext uri="{FF2B5EF4-FFF2-40B4-BE49-F238E27FC236}">
+                <a16:creationId xmlns:a16="http://schemas.microsoft.com/office/drawing/2014/main" id="{7E51D17E-14A1-427B-98B9-48F97AF26CD7}"/>
+              </a:ext>
+            </a:extLst>
+          </p:cNvPr>
+          <p:cNvPicPr>
+            <a:picLocks noChangeAspect="1"/>
+          </p:cNvPicPr>
+          <p:nvPr/>
+        </p:nvPicPr>
+        <p:blipFill>
+          <a:blip r:embed="rId3"/>
+          <a:stretch>
+            <a:fillRect/>
+          </a:stretch>
+        </p:blipFill>
+        <p:spPr>
+          <a:xfrm>
+            <a:off x="2326378" y="5050936"/>
+            <a:ext cx="9078592" cy="295316"/>
+          </a:xfrm>
+          <a:prstGeom prst="rect">
+            <a:avLst/>
+          </a:prstGeom>
+        </p:spPr>
+      </p:pic>
     </p:spTree>
     <p:extLst>
       <p:ext uri="{BB962C8B-B14F-4D97-AF65-F5344CB8AC3E}">
-        <p14:creationId xmlns:p14="http://schemas.microsoft.com/office/powerpoint/2010/main" val="2423439805"/>
+        <p14:creationId xmlns:p14="http://schemas.microsoft.com/office/powerpoint/2010/main" val="3543189329"/>
       </p:ext>
     </p:extLst>
   </p:cSld>
@@ -16300,241 +16081,65 @@
           <a:lstStyle/>
           <a:p>
             <a:r>
-              <a:rPr lang="en-US" altLang="ko-KR" dirty="0" err="1">
+              <a:rPr lang="ko-KR" altLang="en-US"/>
+              <a:t>개발</a:t>
+            </a:r>
+            <a:r>
+              <a:rPr lang="en-US" altLang="ko-KR"/>
+              <a:t>/</a:t>
+            </a:r>
+            <a:r>
+              <a:rPr lang="ko-KR" altLang="en-US"/>
+              <a:t>테스트</a:t>
+            </a:r>
+            <a:r>
+              <a:rPr lang="en-US" altLang="ko-KR"/>
+              <a:t>/</a:t>
+            </a:r>
+            <a:r>
+              <a:rPr lang="ko-KR" altLang="en-US"/>
+              <a:t>운영환경에서 개발자의 코드는 같음</a:t>
+            </a:r>
+            <a:endParaRPr lang="en-US" altLang="ko-KR"/>
+          </a:p>
+          <a:p>
+            <a:pPr lvl="1"/>
+            <a:r>
+              <a:rPr lang="ko-KR" altLang="en-US">
                 <a:solidFill>
-                  <a:schemeClr val="accent1"/>
+                  <a:srgbClr val="FF0000"/>
                 </a:solidFill>
               </a:rPr>
-              <a:t>init.yaml</a:t>
-            </a:r>
-            <a:r>
-              <a:rPr lang="en-US" altLang="ko-KR" dirty="0">
+              <a:t>개발자가 실행 환경에 신경쓰지 않아도 </a:t>
+            </a:r>
+            <a:r>
+              <a:rPr lang="en-US" altLang="ko-KR">
                 <a:solidFill>
-                  <a:schemeClr val="accent1"/>
+                  <a:srgbClr val="FF0000"/>
                 </a:solidFill>
               </a:rPr>
-              <a:t> </a:t>
-            </a:r>
-            <a:r>
-              <a:rPr lang="ko-KR" altLang="en-US" dirty="0">
+              <a:t>SW </a:t>
+            </a:r>
+            <a:r>
+              <a:rPr lang="ko-KR" altLang="en-US">
                 <a:solidFill>
-                  <a:schemeClr val="accent1"/>
+                  <a:srgbClr val="FF0000"/>
                 </a:solidFill>
               </a:rPr>
-              <a:t>가 있어야 할 곳</a:t>
-            </a:r>
-            <a:endParaRPr lang="en-US" altLang="ko-KR" dirty="0">
+              <a:t>는 알아서 작동 됨</a:t>
+            </a:r>
+            <a:endParaRPr lang="en-US" altLang="ko-KR">
               <a:solidFill>
-                <a:schemeClr val="accent1"/>
+                <a:srgbClr val="FF0000"/>
               </a:solidFill>
             </a:endParaRPr>
           </a:p>
-          <a:p>
-            <a:pPr lvl="1"/>
-            <a:r>
-              <a:rPr lang="en-US" altLang="ko-KR" dirty="0" err="1">
-                <a:solidFill>
-                  <a:schemeClr val="accent1"/>
-                </a:solidFill>
-              </a:rPr>
-              <a:t>classpath</a:t>
-            </a:r>
-            <a:r>
-              <a:rPr lang="en-US" altLang="ko-KR" dirty="0">
-                <a:solidFill>
-                  <a:schemeClr val="accent1"/>
-                </a:solidFill>
-              </a:rPr>
-              <a:t> </a:t>
-            </a:r>
-            <a:r>
-              <a:rPr lang="ko-KR" altLang="en-US" dirty="0">
-                <a:solidFill>
-                  <a:schemeClr val="accent1"/>
-                </a:solidFill>
-              </a:rPr>
-              <a:t>중 한곳에 위치</a:t>
-            </a:r>
-            <a:endParaRPr lang="en-US" altLang="ko-KR" dirty="0">
-              <a:solidFill>
-                <a:schemeClr val="accent1"/>
-              </a:solidFill>
-            </a:endParaRPr>
-          </a:p>
-          <a:p>
-            <a:pPr lvl="1"/>
-            <a:r>
-              <a:rPr lang="ko-KR" altLang="en-US" dirty="0">
-                <a:solidFill>
-                  <a:schemeClr val="accent1"/>
-                </a:solidFill>
-              </a:rPr>
-              <a:t>특정 패키지에 속하지 않는 곳에 위치</a:t>
-            </a:r>
-            <a:endParaRPr lang="en-US" altLang="ko-KR" dirty="0">
-              <a:solidFill>
-                <a:schemeClr val="accent1"/>
-              </a:solidFill>
-            </a:endParaRPr>
-          </a:p>
-          <a:p>
-            <a:pPr lvl="1"/>
-            <a:r>
-              <a:rPr lang="ko-KR" altLang="en-US" dirty="0">
-                <a:solidFill>
-                  <a:schemeClr val="accent1"/>
-                </a:solidFill>
-              </a:rPr>
-              <a:t>한 개의 프레임워크 여러 개의 프로젝트 수행</a:t>
-            </a:r>
-            <a:endParaRPr lang="en-US" altLang="ko-KR" dirty="0">
-              <a:solidFill>
-                <a:schemeClr val="accent1"/>
-              </a:solidFill>
-            </a:endParaRPr>
-          </a:p>
-          <a:p>
-            <a:r>
-              <a:rPr lang="en-US" altLang="ko-KR" dirty="0">
-                <a:solidFill>
-                  <a:schemeClr val="accent1"/>
-                </a:solidFill>
-              </a:rPr>
-              <a:t>/</a:t>
-            </a:r>
-            <a:r>
-              <a:rPr lang="en-US" altLang="ko-KR" dirty="0" err="1">
-                <a:solidFill>
-                  <a:schemeClr val="accent1"/>
-                </a:solidFill>
-              </a:rPr>
-              <a:t>src_biz</a:t>
-            </a:r>
-            <a:r>
-              <a:rPr lang="en-US" altLang="ko-KR" dirty="0">
-                <a:solidFill>
-                  <a:schemeClr val="accent1"/>
-                </a:solidFill>
-              </a:rPr>
-              <a:t>/</a:t>
-            </a:r>
-            <a:r>
-              <a:rPr lang="en-US" altLang="ko-KR" dirty="0" err="1">
-                <a:solidFill>
-                  <a:schemeClr val="accent1"/>
-                </a:solidFill>
-              </a:rPr>
-              <a:t>init.yaml</a:t>
-            </a:r>
-            <a:endParaRPr lang="en-US" altLang="ko-KR" dirty="0">
-              <a:solidFill>
-                <a:schemeClr val="accent1"/>
-              </a:solidFill>
-            </a:endParaRPr>
-          </a:p>
-          <a:p>
-            <a:pPr lvl="1"/>
-            <a:r>
-              <a:rPr lang="en-US" altLang="ko-KR" dirty="0" err="1">
-                <a:solidFill>
-                  <a:schemeClr val="accent1"/>
-                </a:solidFill>
-              </a:rPr>
-              <a:t>classpath</a:t>
-            </a:r>
-            <a:r>
-              <a:rPr lang="en-US" altLang="ko-KR" dirty="0">
-                <a:solidFill>
-                  <a:schemeClr val="accent1"/>
-                </a:solidFill>
-              </a:rPr>
-              <a:t>/</a:t>
-            </a:r>
-            <a:r>
-              <a:rPr lang="en-US" altLang="ko-KR" dirty="0" err="1">
-                <a:solidFill>
-                  <a:schemeClr val="accent1"/>
-                </a:solidFill>
-              </a:rPr>
-              <a:t>init.yaml</a:t>
-            </a:r>
-            <a:endParaRPr lang="en-US" altLang="ko-KR" dirty="0">
-              <a:solidFill>
-                <a:schemeClr val="accent1"/>
-              </a:solidFill>
-            </a:endParaRPr>
-          </a:p>
-          <a:p>
-            <a:pPr lvl="1"/>
-            <a:r>
-              <a:rPr lang="en-US" altLang="ko-KR" dirty="0">
-                <a:solidFill>
-                  <a:schemeClr val="accent1"/>
-                </a:solidFill>
-              </a:rPr>
-              <a:t>/src_biz2/</a:t>
-            </a:r>
-            <a:r>
-              <a:rPr lang="en-US" altLang="ko-KR" dirty="0" err="1">
-                <a:solidFill>
-                  <a:schemeClr val="accent1"/>
-                </a:solidFill>
-              </a:rPr>
-              <a:t>init.yaml</a:t>
-            </a:r>
-            <a:endParaRPr lang="en-US" altLang="ko-KR" dirty="0">
-              <a:solidFill>
-                <a:schemeClr val="accent1"/>
-              </a:solidFill>
-            </a:endParaRPr>
-          </a:p>
-          <a:p>
-            <a:pPr lvl="1"/>
-            <a:endParaRPr lang="en-US" altLang="ko-KR" dirty="0">
-              <a:solidFill>
-                <a:schemeClr val="accent1"/>
-              </a:solidFill>
-            </a:endParaRPr>
-          </a:p>
-          <a:p>
-            <a:endParaRPr lang="en-US" altLang="ko-KR" dirty="0"/>
-          </a:p>
         </p:txBody>
       </p:sp>
-      <p:pic>
-        <p:nvPicPr>
-          <p:cNvPr id="5" name="그림 4">
-            <a:extLst>
-              <a:ext uri="{FF2B5EF4-FFF2-40B4-BE49-F238E27FC236}">
-                <a16:creationId xmlns:a16="http://schemas.microsoft.com/office/drawing/2014/main" id="{E8F25112-B0DC-4186-82D0-2A76AE819512}"/>
-              </a:ext>
-            </a:extLst>
-          </p:cNvPr>
-          <p:cNvPicPr>
-            <a:picLocks noChangeAspect="1"/>
-          </p:cNvPicPr>
-          <p:nvPr/>
-        </p:nvPicPr>
-        <p:blipFill>
-          <a:blip r:embed="rId2"/>
-          <a:stretch>
-            <a:fillRect/>
-          </a:stretch>
-        </p:blipFill>
-        <p:spPr>
-          <a:xfrm>
-            <a:off x="7530095" y="2645837"/>
-            <a:ext cx="3115110" cy="2276793"/>
-          </a:xfrm>
-          <a:prstGeom prst="rect">
-            <a:avLst/>
-          </a:prstGeom>
-        </p:spPr>
-      </p:pic>
     </p:spTree>
     <p:extLst>
       <p:ext uri="{BB962C8B-B14F-4D97-AF65-F5344CB8AC3E}">
-        <p14:creationId xmlns:p14="http://schemas.microsoft.com/office/powerpoint/2010/main" val="3793240237"/>
+        <p14:creationId xmlns:p14="http://schemas.microsoft.com/office/powerpoint/2010/main" val="663361780"/>
       </p:ext>
     </p:extLst>
   </p:cSld>
@@ -16653,8 +16258,63 @@
           <a:lstStyle/>
           <a:p>
             <a:r>
-              <a:rPr lang="ko-KR" altLang="en-US" dirty="0"/>
-              <a:t>필요한 정보</a:t>
+              <a:rPr lang="ko-KR" altLang="en-US"/>
+              <a:t>개발</a:t>
+            </a:r>
+            <a:r>
+              <a:rPr lang="en-US" altLang="ko-KR"/>
+              <a:t>/</a:t>
+            </a:r>
+            <a:r>
+              <a:rPr lang="ko-KR" altLang="en-US"/>
+              <a:t>테스트</a:t>
+            </a:r>
+            <a:r>
+              <a:rPr lang="en-US" altLang="ko-KR"/>
+              <a:t>/</a:t>
+            </a:r>
+            <a:r>
+              <a:rPr lang="ko-KR" altLang="en-US"/>
+              <a:t>운영환경에서 개발자의 코드는 같아야 함</a:t>
+            </a:r>
+            <a:endParaRPr lang="en-US" altLang="ko-KR"/>
+          </a:p>
+          <a:p>
+            <a:pPr lvl="1"/>
+            <a:r>
+              <a:rPr lang="ko-KR" altLang="en-US">
+                <a:solidFill>
+                  <a:srgbClr val="FF0000"/>
+                </a:solidFill>
+              </a:rPr>
+              <a:t>개발자가 실행 환경에 신경쓰지 않아도 </a:t>
+            </a:r>
+            <a:r>
+              <a:rPr lang="en-US" altLang="ko-KR">
+                <a:solidFill>
+                  <a:srgbClr val="FF0000"/>
+                </a:solidFill>
+              </a:rPr>
+              <a:t>SW </a:t>
+            </a:r>
+            <a:r>
+              <a:rPr lang="ko-KR" altLang="en-US">
+                <a:solidFill>
+                  <a:srgbClr val="FF0000"/>
+                </a:solidFill>
+              </a:rPr>
+              <a:t>는 알아서 작동되어야 함</a:t>
+            </a:r>
+            <a:endParaRPr lang="en-US" altLang="ko-KR">
+              <a:solidFill>
+                <a:srgbClr val="FF0000"/>
+              </a:solidFill>
+            </a:endParaRPr>
+          </a:p>
+          <a:p>
+            <a:r>
+              <a:rPr lang="ko-KR" altLang="en-US"/>
+              <a:t>일관된 환경구성을 위해 필요한 정보</a:t>
             </a:r>
             <a:endParaRPr lang="en-US" altLang="ko-KR" dirty="0"/>
           </a:p>
@@ -16665,103 +16325,120 @@
               <a:t>기준경로 </a:t>
             </a:r>
             <a:r>
-              <a:rPr lang="en-US" altLang="ko-KR" dirty="0"/>
-              <a:t>: WAS </a:t>
-            </a:r>
-            <a:r>
-              <a:rPr lang="ko-KR" altLang="en-US" dirty="0"/>
-              <a:t>의 </a:t>
-            </a:r>
-            <a:r>
-              <a:rPr lang="en-US" altLang="ko-KR" dirty="0"/>
-              <a:t>ROOT(</a:t>
-            </a:r>
-            <a:r>
-              <a:rPr lang="ko-KR" altLang="en-US" dirty="0"/>
-              <a:t>절대 경로</a:t>
-            </a:r>
-            <a:r>
-              <a:rPr lang="en-US" altLang="ko-KR" dirty="0"/>
-              <a:t>)</a:t>
-            </a:r>
-          </a:p>
-          <a:p>
-            <a:pPr lvl="1"/>
-            <a:r>
-              <a:rPr lang="ko-KR" altLang="en-US" dirty="0"/>
-              <a:t>호스트 이름 </a:t>
-            </a:r>
-            <a:r>
-              <a:rPr lang="en-US" altLang="ko-KR" dirty="0"/>
-              <a:t>: WAS </a:t>
-            </a:r>
-            <a:r>
-              <a:rPr lang="ko-KR" altLang="en-US" dirty="0"/>
-              <a:t>가 실행되는 컴퓨터 이름</a:t>
+              <a:rPr lang="en-US" altLang="ko-KR"/>
+              <a:t>: SW</a:t>
+            </a:r>
+            <a:r>
+              <a:rPr lang="ko-KR" altLang="en-US"/>
+              <a:t> 실행의 기준이 되는 절대 경로</a:t>
             </a:r>
             <a:endParaRPr lang="en-US" altLang="ko-KR" dirty="0"/>
           </a:p>
           <a:p>
             <a:pPr lvl="1"/>
             <a:r>
-              <a:rPr lang="en-US" altLang="ko-KR" dirty="0"/>
-              <a:t>WAS(</a:t>
-            </a:r>
-            <a:r>
               <a:rPr lang="ko-KR" altLang="en-US" dirty="0"/>
-              <a:t>컨테이너</a:t>
-            </a:r>
-            <a:r>
-              <a:rPr lang="en-US" altLang="ko-KR" dirty="0"/>
-              <a:t>)</a:t>
+              <a:t>호스트 이름 </a:t>
+            </a:r>
+            <a:r>
+              <a:rPr lang="en-US" altLang="ko-KR"/>
+              <a:t>: SW</a:t>
+            </a:r>
+            <a:r>
+              <a:rPr lang="ko-KR" altLang="en-US"/>
+              <a:t>가 </a:t>
             </a:r>
             <a:r>
               <a:rPr lang="ko-KR" altLang="en-US" dirty="0"/>
-              <a:t> </a:t>
-            </a:r>
-            <a:r>
-              <a:rPr lang="en-US" altLang="ko-KR" dirty="0"/>
-              <a:t>: WAS</a:t>
-            </a:r>
-            <a:r>
-              <a:rPr lang="ko-KR" altLang="en-US" dirty="0"/>
-              <a:t> 를 구분할 수 있는 이름</a:t>
+              <a:t>실행되는 컴퓨터 이름</a:t>
             </a:r>
             <a:endParaRPr lang="en-US" altLang="ko-KR" dirty="0"/>
           </a:p>
           <a:p>
             <a:pPr lvl="1"/>
             <a:r>
-              <a:rPr lang="ko-KR" altLang="en-US" dirty="0" err="1"/>
-              <a:t>리로드</a:t>
+              <a:rPr lang="ko-KR" altLang="en-US"/>
+              <a:t>어플리케이션 이름 </a:t>
+            </a:r>
+            <a:r>
+              <a:rPr lang="en-US" altLang="ko-KR"/>
+              <a:t>: </a:t>
+            </a:r>
+            <a:r>
+              <a:rPr lang="ko-KR" altLang="en-US"/>
+              <a:t>실행되는 </a:t>
+            </a:r>
+            <a:r>
+              <a:rPr lang="en-US" altLang="ko-KR"/>
+              <a:t>SW</a:t>
+            </a:r>
+            <a:r>
+              <a:rPr lang="ko-KR" altLang="en-US"/>
+              <a:t>를 구분할 </a:t>
             </a:r>
             <a:r>
               <a:rPr lang="ko-KR" altLang="en-US" dirty="0"/>
-              <a:t> 기능 </a:t>
-            </a:r>
-            <a:r>
-              <a:rPr lang="en-US" altLang="ko-KR" dirty="0"/>
+              <a:t>수 </a:t>
+            </a:r>
+            <a:r>
+              <a:rPr lang="ko-KR" altLang="en-US"/>
+              <a:t>있는 이름</a:t>
+            </a:r>
+            <a:endParaRPr lang="en-US" altLang="ko-KR"/>
+          </a:p>
+          <a:p>
+            <a:pPr lvl="1"/>
+            <a:r>
+              <a:rPr lang="ko-KR" altLang="en-US"/>
+              <a:t>부가정보 </a:t>
+            </a:r>
+            <a:r>
+              <a:rPr lang="en-US" altLang="ko-KR"/>
               <a:t>: </a:t>
             </a:r>
             <a:r>
-              <a:rPr lang="ko-KR" altLang="en-US" dirty="0"/>
-              <a:t>재사용</a:t>
-            </a:r>
-            <a:r>
-              <a:rPr lang="en-US" altLang="ko-KR" dirty="0"/>
-              <a:t>(</a:t>
-            </a:r>
-            <a:r>
-              <a:rPr lang="ko-KR" altLang="en-US" dirty="0"/>
-              <a:t>캐쉬</a:t>
-            </a:r>
-            <a:r>
-              <a:rPr lang="en-US" altLang="ko-KR" dirty="0"/>
-              <a:t>)</a:t>
-            </a:r>
-            <a:r>
-              <a:rPr lang="ko-KR" altLang="en-US" dirty="0"/>
-              <a:t>된 데이터를 삭제</a:t>
+              <a:rPr lang="ko-KR" altLang="en-US"/>
+              <a:t>운영환경여부</a:t>
+            </a:r>
+            <a:r>
+              <a:rPr lang="en-US" altLang="ko-KR"/>
+              <a:t>, </a:t>
+            </a:r>
+            <a:r>
+              <a:rPr lang="ko-KR" altLang="en-US"/>
+              <a:t>로그사용여부</a:t>
+            </a:r>
+            <a:r>
+              <a:rPr lang="en-US" altLang="ko-KR"/>
+              <a:t>, </a:t>
+            </a:r>
+            <a:r>
+              <a:rPr lang="ko-KR" altLang="en-US"/>
+              <a:t>캐쉬기능사용여부등</a:t>
+            </a:r>
+            <a:endParaRPr lang="en-US" altLang="ko-KR"/>
+          </a:p>
+          <a:p>
+            <a:pPr lvl="1"/>
+            <a:r>
+              <a:rPr lang="ko-KR" altLang="en-US"/>
+              <a:t>보호정보 </a:t>
+            </a:r>
+            <a:r>
+              <a:rPr lang="en-US" altLang="ko-KR"/>
+              <a:t>: DBMS </a:t>
+            </a:r>
+            <a:r>
+              <a:rPr lang="ko-KR" altLang="en-US"/>
+              <a:t>접속정보</a:t>
+            </a:r>
+            <a:r>
+              <a:rPr lang="en-US" altLang="ko-KR"/>
+              <a:t>, </a:t>
+            </a:r>
+            <a:r>
+              <a:rPr lang="ko-KR" altLang="en-US"/>
+              <a:t>비밀키 등</a:t>
             </a:r>
             <a:endParaRPr lang="en-US" altLang="ko-KR" dirty="0"/>
           </a:p>
@@ -16832,36 +16509,8 @@
           <a:p>
             <a:r>
               <a:rPr lang="ko-KR" altLang="en-US"/>
-              <a:t>내가 만든 코드는</a:t>
-            </a:r>
-            <a:br>
-              <a:rPr lang="en-US" altLang="ko-KR"/>
-            </a:br>
-            <a:r>
-              <a:rPr lang="ko-KR" altLang="en-US"/>
-              <a:t>개발</a:t>
-            </a:r>
-            <a:r>
-              <a:rPr lang="en-US" altLang="ko-KR"/>
-              <a:t>/</a:t>
-            </a:r>
-            <a:r>
-              <a:rPr lang="ko-KR" altLang="en-US"/>
-              <a:t>테스트</a:t>
-            </a:r>
-            <a:r>
-              <a:rPr lang="en-US" altLang="ko-KR"/>
-              <a:t>/</a:t>
-            </a:r>
-            <a:r>
-              <a:rPr lang="ko-KR" altLang="en-US"/>
-              <a:t>운영에서 작동합니다</a:t>
-            </a:r>
-            <a:r>
-              <a:rPr lang="en-US" altLang="ko-KR"/>
-              <a:t>.</a:t>
-            </a:r>
-            <a:endParaRPr lang="ko-KR" altLang="en-US"/>
+              <a:t>기준경로</a:t>
+            </a:r>
           </a:p>
         </p:txBody>
       </p:sp>
@@ -16883,155 +16532,138 @@
         </p:nvSpPr>
         <p:spPr/>
         <p:txBody>
-          <a:bodyPr/>
-          <a:lstStyle/>
-          <a:p>
-            <a:r>
-              <a:rPr lang="ko-KR" altLang="en-US" dirty="0"/>
-              <a:t>기준경로 </a:t>
-            </a:r>
-            <a:r>
-              <a:rPr lang="en-US" altLang="ko-KR" dirty="0"/>
-              <a:t>: WAS </a:t>
-            </a:r>
-            <a:r>
-              <a:rPr lang="ko-KR" altLang="en-US" dirty="0"/>
-              <a:t>의 </a:t>
-            </a:r>
-            <a:r>
-              <a:rPr lang="en-US" altLang="ko-KR" dirty="0"/>
-              <a:t>ROOT(</a:t>
-            </a:r>
-            <a:r>
-              <a:rPr lang="ko-KR" altLang="en-US" dirty="0"/>
-              <a:t>절대 경로</a:t>
-            </a:r>
-            <a:r>
-              <a:rPr lang="en-US" altLang="ko-KR" dirty="0"/>
-              <a:t>)</a:t>
-            </a:r>
-          </a:p>
-          <a:p>
-            <a:r>
-              <a:rPr lang="en-US" altLang="ko-KR" dirty="0"/>
-              <a:t>[WEB_APP_ROOT]/web</a:t>
-            </a:r>
-          </a:p>
-          <a:p>
-            <a:r>
-              <a:rPr lang="en-US" altLang="ko-KR" dirty="0" err="1"/>
-              <a:t>init.yaml</a:t>
-            </a:r>
-            <a:r>
-              <a:rPr lang="en-US" altLang="ko-KR" dirty="0"/>
-              <a:t> -&gt; </a:t>
-            </a:r>
-            <a:r>
-              <a:rPr lang="en-US" altLang="ko-KR" dirty="0" err="1"/>
-              <a:t>classpath</a:t>
-            </a:r>
-            <a:r>
-              <a:rPr lang="en-US" altLang="ko-KR" dirty="0"/>
-              <a:t> </a:t>
-            </a:r>
-            <a:r>
-              <a:rPr lang="ko-KR" altLang="en-US" dirty="0"/>
-              <a:t>사용 자원 찾기 </a:t>
-            </a:r>
-            <a:br>
-              <a:rPr lang="en-US" altLang="ko-KR" dirty="0"/>
-            </a:br>
-            <a:r>
-              <a:rPr lang="en-US" altLang="ko-KR" dirty="0"/>
-              <a:t>-&gt; </a:t>
-            </a:r>
-            <a:r>
-              <a:rPr lang="ko-KR" altLang="en-US" dirty="0"/>
-              <a:t>절대경로 확인 </a:t>
-            </a:r>
-            <a:r>
-              <a:rPr lang="en-US" altLang="ko-KR" dirty="0"/>
-              <a:t>-&gt; </a:t>
-            </a:r>
-            <a:r>
-              <a:rPr lang="ko-KR" altLang="en-US" dirty="0"/>
-              <a:t>상대경로 탐색 </a:t>
-            </a:r>
-            <a:r>
-              <a:rPr lang="en-US" altLang="ko-KR" dirty="0"/>
-              <a:t>-&gt; </a:t>
-            </a:r>
-            <a:r>
-              <a:rPr lang="ko-KR" altLang="en-US" dirty="0"/>
-              <a:t>기준경로 계산</a:t>
-            </a:r>
-            <a:endParaRPr lang="en-US" altLang="ko-KR" dirty="0"/>
-          </a:p>
-          <a:p>
-            <a:endParaRPr lang="ko-KR" altLang="en-US" dirty="0"/>
-          </a:p>
-        </p:txBody>
-      </p:sp>
-      <p:sp>
-        <p:nvSpPr>
-          <p:cNvPr id="8" name="TextBox 7">
-            <a:extLst>
-              <a:ext uri="{FF2B5EF4-FFF2-40B4-BE49-F238E27FC236}">
-                <a16:creationId xmlns:a16="http://schemas.microsoft.com/office/drawing/2014/main" id="{D036C227-48C0-42F6-8A54-5F772CFCD0A0}"/>
-              </a:ext>
-            </a:extLst>
-          </p:cNvPr>
-          <p:cNvSpPr txBox="1"/>
-          <p:nvPr/>
-        </p:nvSpPr>
-        <p:spPr>
-          <a:xfrm>
-            <a:off x="1424872" y="3735369"/>
-            <a:ext cx="2435028" cy="369332"/>
-          </a:xfrm>
-          <a:prstGeom prst="rect">
-            <a:avLst/>
-          </a:prstGeom>
-          <a:noFill/>
-        </p:spPr>
-        <p:txBody>
-          <a:bodyPr wrap="square" rtlCol="0">
-            <a:spAutoFit/>
+          <a:bodyPr>
+            <a:normAutofit/>
           </a:bodyPr>
           <a:lstStyle/>
           <a:p>
             <a:r>
-              <a:rPr lang="en-US" altLang="ko-KR" sz="1800">
-                <a:solidFill>
-                  <a:schemeClr val="accent1"/>
-                </a:solidFill>
-                <a:latin typeface="Consolas" panose="020B0609020204030204" pitchFamily="49" charset="0"/>
-              </a:rPr>
-              <a:t>- YamlReader</a:t>
-            </a:r>
+              <a:rPr lang="ko-KR" altLang="en-US"/>
+              <a:t>절대경로 </a:t>
+            </a:r>
+            <a:r>
+              <a:rPr lang="en-US" altLang="ko-KR"/>
+              <a:t>: </a:t>
+            </a:r>
+            <a:r>
+              <a:rPr lang="ko-KR" altLang="en-US"/>
+              <a:t>그 자체로 필요한 자원을 찾을 수 있는 정보</a:t>
+            </a:r>
+            <a:endParaRPr lang="en-US" altLang="ko-KR"/>
+          </a:p>
+          <a:p>
+            <a:pPr lvl="1"/>
             <a:r>
               <a:rPr lang="en-US" altLang="ko-KR">
                 <a:solidFill>
-                  <a:schemeClr val="accent1"/>
+                  <a:srgbClr val="000000"/>
                 </a:solidFill>
-                <a:latin typeface="Consolas" panose="020B0609020204030204" pitchFamily="49" charset="0"/>
               </a:rPr>
-              <a:t>.java</a:t>
-            </a:r>
-            <a:endParaRPr lang="ko-KR" altLang="en-US" dirty="0">
-              <a:solidFill>
-                <a:schemeClr val="accent1"/>
-              </a:solidFill>
-            </a:endParaRPr>
+              <a:t>C:/public/b/inflearn08/web/WEB-INF/classes/init.yaml</a:t>
+            </a:r>
+          </a:p>
+          <a:p>
+            <a:r>
+              <a:rPr lang="ko-KR" altLang="en-US"/>
+              <a:t>상대경로 </a:t>
+            </a:r>
+            <a:r>
+              <a:rPr lang="en-US" altLang="ko-KR"/>
+              <a:t>: </a:t>
+            </a:r>
+            <a:r>
+              <a:rPr lang="ko-KR" altLang="en-US"/>
+              <a:t>기준경로를 사용 필요한 자원을 찾을 수 있는 정보</a:t>
+            </a:r>
+            <a:endParaRPr lang="en-US" altLang="ko-KR"/>
+          </a:p>
+          <a:p>
+            <a:pPr lvl="1"/>
+            <a:r>
+              <a:rPr lang="en-US" altLang="ko-KR">
+                <a:solidFill>
+                  <a:srgbClr val="000000"/>
+                </a:solidFill>
+              </a:rPr>
+              <a:t>[APP_ROOT]/web</a:t>
+            </a:r>
+          </a:p>
+          <a:p>
+            <a:pPr lvl="1"/>
+            <a:r>
+              <a:rPr lang="en-US" altLang="ko-KR">
+                <a:solidFill>
+                  <a:srgbClr val="000000"/>
+                </a:solidFill>
+              </a:rPr>
+              <a:t>[APP_ROOT]/temp</a:t>
+            </a:r>
+          </a:p>
+          <a:p>
+            <a:r>
+              <a:rPr lang="ko-KR" altLang="en-US"/>
+              <a:t>기준경로 </a:t>
+            </a:r>
+            <a:r>
+              <a:rPr lang="en-US" altLang="ko-KR"/>
+              <a:t>: SW</a:t>
+            </a:r>
+            <a:r>
+              <a:rPr lang="ko-KR" altLang="en-US"/>
+              <a:t> 실행의 기준이 되는 절대 경로</a:t>
+            </a:r>
+            <a:endParaRPr lang="en-US" altLang="ko-KR"/>
+          </a:p>
+          <a:p>
+            <a:pPr lvl="1"/>
+            <a:r>
+              <a:rPr lang="en-US" altLang="ko-KR">
+                <a:solidFill>
+                  <a:srgbClr val="000000"/>
+                </a:solidFill>
+              </a:rPr>
+              <a:t>C:/public/b/inflearn08</a:t>
+            </a:r>
+          </a:p>
+          <a:p>
+            <a:pPr lvl="2"/>
+            <a:r>
+              <a:rPr lang="en-US" altLang="ko-KR">
+                <a:solidFill>
+                  <a:srgbClr val="000000"/>
+                </a:solidFill>
+              </a:rPr>
+              <a:t>C:/public/b/inflearn08/web</a:t>
+            </a:r>
+          </a:p>
+          <a:p>
+            <a:pPr lvl="2"/>
+            <a:r>
+              <a:rPr lang="en-US" altLang="ko-KR">
+                <a:solidFill>
+                  <a:srgbClr val="000000"/>
+                </a:solidFill>
+              </a:rPr>
+              <a:t>C:/public/b/inflearn08/temp</a:t>
+            </a:r>
+            <a:endParaRPr lang="en-US" altLang="ko-KR"/>
+          </a:p>
+          <a:p>
+            <a:pPr lvl="2"/>
+            <a:endParaRPr lang="en-US" altLang="ko-KR"/>
+          </a:p>
+          <a:p>
+            <a:pPr lvl="2"/>
+            <a:endParaRPr lang="en-US" altLang="ko-KR" dirty="0"/>
           </a:p>
         </p:txBody>
       </p:sp>
       <p:pic>
         <p:nvPicPr>
-          <p:cNvPr id="10" name="그림 9">
+          <p:cNvPr id="6" name="그림 5">
             <a:extLst>
               <a:ext uri="{FF2B5EF4-FFF2-40B4-BE49-F238E27FC236}">
-                <a16:creationId xmlns:a16="http://schemas.microsoft.com/office/drawing/2014/main" id="{150AA82D-FAB0-4AFF-83A9-9F7DA852A046}"/>
+                <a16:creationId xmlns:a16="http://schemas.microsoft.com/office/drawing/2014/main" id="{8BA29932-9961-4E8B-9BE3-EBBF72AD62C9}"/>
               </a:ext>
             </a:extLst>
           </p:cNvPr>
@@ -17048,8 +16680,8 @@
         </p:blipFill>
         <p:spPr>
           <a:xfrm>
-            <a:off x="873310" y="4264416"/>
-            <a:ext cx="4467433" cy="1798807"/>
+            <a:off x="7242837" y="4958110"/>
+            <a:ext cx="4156013" cy="737754"/>
           </a:xfrm>
           <a:prstGeom prst="rect">
             <a:avLst/>
@@ -17058,10 +16690,10 @@
       </p:pic>
       <p:sp>
         <p:nvSpPr>
-          <p:cNvPr id="19" name="TextBox 18">
+          <p:cNvPr id="11" name="TextBox 10">
             <a:extLst>
               <a:ext uri="{FF2B5EF4-FFF2-40B4-BE49-F238E27FC236}">
-                <a16:creationId xmlns:a16="http://schemas.microsoft.com/office/drawing/2014/main" id="{A1C27906-9940-440A-8340-B3C719C7956D}"/>
+                <a16:creationId xmlns:a16="http://schemas.microsoft.com/office/drawing/2014/main" id="{87F95E8A-C782-4013-A02F-C3661F111E09}"/>
               </a:ext>
             </a:extLst>
           </p:cNvPr>
@@ -17070,7 +16702,7 @@
         </p:nvSpPr>
         <p:spPr>
           <a:xfrm>
-            <a:off x="7047488" y="3682134"/>
+            <a:off x="7242837" y="4588778"/>
             <a:ext cx="2435028" cy="369332"/>
           </a:xfrm>
           <a:prstGeom prst="rect">
@@ -17091,16 +16723,7 @@
                 </a:solidFill>
                 <a:latin typeface="Consolas" panose="020B0609020204030204" pitchFamily="49" charset="0"/>
               </a:rPr>
-              <a:t>- InitYaml</a:t>
-            </a:r>
-            <a:r>
-              <a:rPr lang="en-US" altLang="ko-KR">
-                <a:solidFill>
-                  <a:schemeClr val="accent1"/>
-                </a:solidFill>
-                <a:latin typeface="Consolas" panose="020B0609020204030204" pitchFamily="49" charset="0"/>
-              </a:rPr>
-              <a:t>.java </a:t>
+              <a:t>- RunCode5.java</a:t>
             </a:r>
             <a:endParaRPr lang="ko-KR" altLang="en-US" dirty="0">
               <a:solidFill>
@@ -17110,40 +16733,10 @@
           </a:p>
         </p:txBody>
       </p:sp>
-      <p:pic>
-        <p:nvPicPr>
-          <p:cNvPr id="5" name="그림 4">
-            <a:extLst>
-              <a:ext uri="{FF2B5EF4-FFF2-40B4-BE49-F238E27FC236}">
-                <a16:creationId xmlns:a16="http://schemas.microsoft.com/office/drawing/2014/main" id="{1954E613-E3FA-4EFD-B299-7D4D4D86ADDF}"/>
-              </a:ext>
-            </a:extLst>
-          </p:cNvPr>
-          <p:cNvPicPr>
-            <a:picLocks noChangeAspect="1"/>
-          </p:cNvPicPr>
-          <p:nvPr/>
-        </p:nvPicPr>
-        <p:blipFill>
-          <a:blip r:embed="rId3"/>
-          <a:stretch>
-            <a:fillRect/>
-          </a:stretch>
-        </p:blipFill>
-        <p:spPr>
-          <a:xfrm>
-            <a:off x="6451302" y="4104701"/>
-            <a:ext cx="3970273" cy="2185019"/>
-          </a:xfrm>
-          <a:prstGeom prst="rect">
-            <a:avLst/>
-          </a:prstGeom>
-        </p:spPr>
-      </p:pic>
     </p:spTree>
     <p:extLst>
       <p:ext uri="{BB962C8B-B14F-4D97-AF65-F5344CB8AC3E}">
-        <p14:creationId xmlns:p14="http://schemas.microsoft.com/office/powerpoint/2010/main" val="1718483873"/>
+        <p14:creationId xmlns:p14="http://schemas.microsoft.com/office/powerpoint/2010/main" val="1803055879"/>
       </p:ext>
     </p:extLst>
   </p:cSld>
@@ -17205,36 +16798,8 @@
           <a:p>
             <a:r>
               <a:rPr lang="ko-KR" altLang="en-US"/>
-              <a:t>내가 만든 코드는</a:t>
-            </a:r>
-            <a:br>
-              <a:rPr lang="en-US" altLang="ko-KR"/>
-            </a:br>
-            <a:r>
-              <a:rPr lang="ko-KR" altLang="en-US"/>
-              <a:t>개발</a:t>
-            </a:r>
-            <a:r>
-              <a:rPr lang="en-US" altLang="ko-KR"/>
-              <a:t>/</a:t>
-            </a:r>
-            <a:r>
-              <a:rPr lang="ko-KR" altLang="en-US"/>
-              <a:t>테스트</a:t>
-            </a:r>
-            <a:r>
-              <a:rPr lang="en-US" altLang="ko-KR"/>
-              <a:t>/</a:t>
-            </a:r>
-            <a:r>
-              <a:rPr lang="ko-KR" altLang="en-US"/>
-              <a:t>운영에서 작동합니다</a:t>
-            </a:r>
-            <a:r>
-              <a:rPr lang="en-US" altLang="ko-KR"/>
-              <a:t>.</a:t>
-            </a:r>
-            <a:endParaRPr lang="ko-KR" altLang="en-US"/>
+              <a:t>기준경로</a:t>
+            </a:r>
           </a:p>
         </p:txBody>
       </p:sp>
@@ -17256,48 +16821,167 @@
         </p:nvSpPr>
         <p:spPr/>
         <p:txBody>
-          <a:bodyPr/>
+          <a:bodyPr>
+            <a:normAutofit fontScale="92500" lnSpcReduction="20000"/>
+          </a:bodyPr>
           <a:lstStyle/>
           <a:p>
             <a:r>
-              <a:rPr lang="ko-KR" altLang="en-US" dirty="0"/>
-              <a:t>기준경로 </a:t>
-            </a:r>
-            <a:r>
-              <a:rPr lang="en-US" altLang="ko-KR" dirty="0"/>
-              <a:t>: WAS </a:t>
-            </a:r>
-            <a:r>
-              <a:rPr lang="ko-KR" altLang="en-US" dirty="0"/>
-              <a:t>의 </a:t>
-            </a:r>
-            <a:r>
-              <a:rPr lang="en-US" altLang="ko-KR" dirty="0"/>
-              <a:t>ROOT(</a:t>
-            </a:r>
-            <a:r>
-              <a:rPr lang="ko-KR" altLang="en-US" dirty="0"/>
-              <a:t>절대 경로</a:t>
-            </a:r>
-            <a:r>
-              <a:rPr lang="en-US" altLang="ko-KR" dirty="0"/>
-              <a:t>)</a:t>
+              <a:rPr lang="en-US" altLang="ko-KR"/>
+              <a:t>1) String.class.getClassLoader().getResource("init.yaml").getPath()</a:t>
             </a:r>
           </a:p>
           <a:p>
-            <a:r>
-              <a:rPr lang="en-US" altLang="ko-KR" dirty="0"/>
-              <a:t> </a:t>
-            </a:r>
-            <a:r>
-              <a:rPr lang="en-US" altLang="ko-KR" dirty="0" err="1"/>
-              <a:t>webAppRoot</a:t>
-            </a:r>
-            <a:r>
-              <a:rPr lang="en-US" altLang="ko-KR" dirty="0"/>
-              <a:t> = c:/public/b/inflearn01</a:t>
-            </a:r>
-            <a:endParaRPr lang="ko-KR" altLang="en-US" dirty="0"/>
+            <a:pPr lvl="1"/>
+            <a:r>
+              <a:rPr lang="en-US" altLang="ko-KR">
+                <a:solidFill>
+                  <a:srgbClr val="000000"/>
+                </a:solidFill>
+              </a:rPr>
+              <a:t>classpath </a:t>
+            </a:r>
+            <a:r>
+              <a:rPr lang="ko-KR" altLang="en-US">
+                <a:solidFill>
+                  <a:srgbClr val="000000"/>
+                </a:solidFill>
+              </a:rPr>
+              <a:t>기준 </a:t>
+            </a:r>
+            <a:r>
+              <a:rPr lang="en-US" altLang="ko-KR"/>
+              <a:t>init.yaml </a:t>
+            </a:r>
+            <a:r>
+              <a:rPr lang="ko-KR" altLang="en-US"/>
+              <a:t>파일 탐색</a:t>
+            </a:r>
+            <a:endParaRPr lang="en-US" altLang="ko-KR"/>
+          </a:p>
+          <a:p>
+            <a:pPr lvl="1"/>
+            <a:r>
+              <a:rPr lang="en-US" altLang="ko-KR">
+                <a:solidFill>
+                  <a:srgbClr val="000000"/>
+                </a:solidFill>
+              </a:rPr>
+              <a:t>C:/public/b/inflearn08/web/WEB-INF/classes/init.yaml</a:t>
+            </a:r>
+          </a:p>
+          <a:p>
+            <a:r>
+              <a:rPr lang="en-US" altLang="ko-KR">
+                <a:solidFill>
+                  <a:srgbClr val="000000"/>
+                </a:solidFill>
+              </a:rPr>
+              <a:t>2) </a:t>
+            </a:r>
+            <a:r>
+              <a:rPr lang="ko-KR" altLang="en-US">
+                <a:solidFill>
+                  <a:srgbClr val="000000"/>
+                </a:solidFill>
+              </a:rPr>
+              <a:t>기준경로 계산</a:t>
+            </a:r>
+            <a:endParaRPr lang="en-US" altLang="ko-KR">
+              <a:solidFill>
+                <a:srgbClr val="000000"/>
+              </a:solidFill>
+            </a:endParaRPr>
+          </a:p>
+          <a:p>
+            <a:pPr lvl="1"/>
+            <a:r>
+              <a:rPr lang="en-US" altLang="ko-KR">
+                <a:solidFill>
+                  <a:srgbClr val="000000"/>
+                </a:solidFill>
+              </a:rPr>
+              <a:t>C:/public/b/inflearn08</a:t>
+            </a:r>
+          </a:p>
+          <a:p>
+            <a:pPr lvl="1"/>
+            <a:r>
+              <a:rPr lang="en-US" altLang="ko-KR">
+                <a:solidFill>
+                  <a:srgbClr val="000000"/>
+                </a:solidFill>
+              </a:rPr>
+              <a:t>InitYaml.get().getAppRoot(); </a:t>
+            </a:r>
+          </a:p>
+          <a:p>
+            <a:r>
+              <a:rPr lang="en-US" altLang="ko-KR">
+                <a:solidFill>
+                  <a:srgbClr val="000000"/>
+                </a:solidFill>
+              </a:rPr>
+              <a:t>3) </a:t>
+            </a:r>
+            <a:r>
+              <a:rPr lang="ko-KR" altLang="en-US">
+                <a:solidFill>
+                  <a:srgbClr val="000000"/>
+                </a:solidFill>
+              </a:rPr>
+              <a:t>상대경로 계산</a:t>
+            </a:r>
+            <a:endParaRPr lang="en-US" altLang="ko-KR">
+              <a:solidFill>
+                <a:srgbClr val="000000"/>
+              </a:solidFill>
+            </a:endParaRPr>
+          </a:p>
+          <a:p>
+            <a:pPr lvl="1"/>
+            <a:r>
+              <a:rPr lang="en-US" altLang="ko-KR">
+                <a:solidFill>
+                  <a:srgbClr val="000000"/>
+                </a:solidFill>
+              </a:rPr>
+              <a:t>[APP_ROOT]/web</a:t>
+            </a:r>
+          </a:p>
+          <a:p>
+            <a:pPr lvl="2"/>
+            <a:r>
+              <a:rPr lang="en-US" altLang="ko-KR">
+                <a:solidFill>
+                  <a:srgbClr val="000000"/>
+                </a:solidFill>
+              </a:rPr>
+              <a:t>C:/public/b/inflearn08/web</a:t>
+            </a:r>
+          </a:p>
+          <a:p>
+            <a:pPr lvl="1"/>
+            <a:r>
+              <a:rPr lang="en-US" altLang="ko-KR">
+                <a:solidFill>
+                  <a:srgbClr val="000000"/>
+                </a:solidFill>
+              </a:rPr>
+              <a:t>[APP_ROOT]/temp</a:t>
+            </a:r>
+          </a:p>
+          <a:p>
+            <a:pPr lvl="2"/>
+            <a:r>
+              <a:rPr lang="en-US" altLang="ko-KR">
+                <a:solidFill>
+                  <a:srgbClr val="000000"/>
+                </a:solidFill>
+              </a:rPr>
+              <a:t>C:/public/b/inflearn08/ temp</a:t>
+            </a:r>
+            <a:endParaRPr lang="en-US" altLang="ko-KR" dirty="0"/>
           </a:p>
         </p:txBody>
       </p:sp>
@@ -17306,7 +16990,7 @@
           <p:cNvPr id="9" name="그림 8">
             <a:extLst>
               <a:ext uri="{FF2B5EF4-FFF2-40B4-BE49-F238E27FC236}">
-                <a16:creationId xmlns:a16="http://schemas.microsoft.com/office/drawing/2014/main" id="{1B6538C3-20F8-42D0-968E-262292BABCB1}"/>
+                <a16:creationId xmlns:a16="http://schemas.microsoft.com/office/drawing/2014/main" id="{6EA2D28F-EE1C-4247-A59A-C29549E3B14A}"/>
               </a:ext>
             </a:extLst>
           </p:cNvPr>
@@ -17323,158 +17007,8 @@
         </p:blipFill>
         <p:spPr>
           <a:xfrm>
-            <a:off x="5584752" y="4195304"/>
-            <a:ext cx="5821646" cy="1720381"/>
-          </a:xfrm>
-          <a:prstGeom prst="rect">
-            <a:avLst/>
-          </a:prstGeom>
-        </p:spPr>
-      </p:pic>
-      <p:sp>
-        <p:nvSpPr>
-          <p:cNvPr id="11" name="TextBox 10">
-            <a:extLst>
-              <a:ext uri="{FF2B5EF4-FFF2-40B4-BE49-F238E27FC236}">
-                <a16:creationId xmlns:a16="http://schemas.microsoft.com/office/drawing/2014/main" id="{9401ECBC-D2A6-4060-A491-6518E00FB24B}"/>
-              </a:ext>
-            </a:extLst>
-          </p:cNvPr>
-          <p:cNvSpPr txBox="1"/>
-          <p:nvPr/>
-        </p:nvSpPr>
-        <p:spPr>
-          <a:xfrm>
-            <a:off x="728958" y="3059668"/>
-            <a:ext cx="2435028" cy="369332"/>
-          </a:xfrm>
-          <a:prstGeom prst="rect">
-            <a:avLst/>
-          </a:prstGeom>
-          <a:noFill/>
-        </p:spPr>
-        <p:txBody>
-          <a:bodyPr wrap="square" rtlCol="0">
-            <a:spAutoFit/>
-          </a:bodyPr>
-          <a:lstStyle/>
-          <a:p>
-            <a:r>
-              <a:rPr lang="en-US" altLang="ko-KR" sz="1800">
-                <a:solidFill>
-                  <a:schemeClr val="accent1"/>
-                </a:solidFill>
-                <a:latin typeface="Consolas" panose="020B0609020204030204" pitchFamily="49" charset="0"/>
-              </a:rPr>
-              <a:t>- init.yaml</a:t>
-            </a:r>
-            <a:endParaRPr lang="ko-KR" altLang="en-US" dirty="0">
-              <a:solidFill>
-                <a:schemeClr val="accent1"/>
-              </a:solidFill>
-            </a:endParaRPr>
-          </a:p>
-        </p:txBody>
-      </p:sp>
-      <p:sp>
-        <p:nvSpPr>
-          <p:cNvPr id="12" name="TextBox 11">
-            <a:extLst>
-              <a:ext uri="{FF2B5EF4-FFF2-40B4-BE49-F238E27FC236}">
-                <a16:creationId xmlns:a16="http://schemas.microsoft.com/office/drawing/2014/main" id="{13ED6079-AD00-4386-A0D7-C13D64247CC1}"/>
-              </a:ext>
-            </a:extLst>
-          </p:cNvPr>
-          <p:cNvSpPr txBox="1"/>
-          <p:nvPr/>
-        </p:nvSpPr>
-        <p:spPr>
-          <a:xfrm>
-            <a:off x="5815464" y="3701534"/>
-            <a:ext cx="2435028" cy="369332"/>
-          </a:xfrm>
-          <a:prstGeom prst="rect">
-            <a:avLst/>
-          </a:prstGeom>
-          <a:noFill/>
-        </p:spPr>
-        <p:txBody>
-          <a:bodyPr wrap="square" rtlCol="0">
-            <a:spAutoFit/>
-          </a:bodyPr>
-          <a:lstStyle/>
-          <a:p>
-            <a:r>
-              <a:rPr lang="en-US" altLang="ko-KR" sz="1800">
-                <a:solidFill>
-                  <a:schemeClr val="accent1"/>
-                </a:solidFill>
-                <a:latin typeface="Consolas" panose="020B0609020204030204" pitchFamily="49" charset="0"/>
-              </a:rPr>
-              <a:t>- RunCode5.java</a:t>
-            </a:r>
-            <a:endParaRPr lang="ko-KR" altLang="en-US" dirty="0">
-              <a:solidFill>
-                <a:schemeClr val="accent1"/>
-              </a:solidFill>
-            </a:endParaRPr>
-          </a:p>
-        </p:txBody>
-      </p:sp>
-      <p:pic>
-        <p:nvPicPr>
-          <p:cNvPr id="14" name="그림 13">
-            <a:extLst>
-              <a:ext uri="{FF2B5EF4-FFF2-40B4-BE49-F238E27FC236}">
-                <a16:creationId xmlns:a16="http://schemas.microsoft.com/office/drawing/2014/main" id="{914F5F43-54F5-4921-9D3E-DF7874E7D91C}"/>
-              </a:ext>
-            </a:extLst>
-          </p:cNvPr>
-          <p:cNvPicPr>
-            <a:picLocks noChangeAspect="1"/>
-          </p:cNvPicPr>
-          <p:nvPr/>
-        </p:nvPicPr>
-        <p:blipFill>
-          <a:blip r:embed="rId3"/>
-          <a:stretch>
-            <a:fillRect/>
-          </a:stretch>
-        </p:blipFill>
-        <p:spPr>
-          <a:xfrm>
-            <a:off x="8396452" y="774943"/>
-            <a:ext cx="3066590" cy="3252879"/>
-          </a:xfrm>
-          <a:prstGeom prst="rect">
-            <a:avLst/>
-          </a:prstGeom>
-        </p:spPr>
-      </p:pic>
-      <p:pic>
-        <p:nvPicPr>
-          <p:cNvPr id="5" name="그림 4">
-            <a:extLst>
-              <a:ext uri="{FF2B5EF4-FFF2-40B4-BE49-F238E27FC236}">
-                <a16:creationId xmlns:a16="http://schemas.microsoft.com/office/drawing/2014/main" id="{C20BD447-8CE1-4BCE-B0EC-BE4F311B2A74}"/>
-              </a:ext>
-            </a:extLst>
-          </p:cNvPr>
-          <p:cNvPicPr>
-            <a:picLocks noChangeAspect="1"/>
-          </p:cNvPicPr>
-          <p:nvPr/>
-        </p:nvPicPr>
-        <p:blipFill>
-          <a:blip r:embed="rId4"/>
-          <a:stretch>
-            <a:fillRect/>
-          </a:stretch>
-        </p:blipFill>
-        <p:spPr>
-          <a:xfrm>
-            <a:off x="862261" y="3450215"/>
-            <a:ext cx="4439270" cy="2362530"/>
+            <a:off x="6096000" y="4670408"/>
+            <a:ext cx="4517082" cy="1073437"/>
           </a:xfrm>
           <a:prstGeom prst="rect">
             <a:avLst/>
@@ -17484,7 +17018,7 @@
     </p:spTree>
     <p:extLst>
       <p:ext uri="{BB962C8B-B14F-4D97-AF65-F5344CB8AC3E}">
-        <p14:creationId xmlns:p14="http://schemas.microsoft.com/office/powerpoint/2010/main" val="4197010643"/>
+        <p14:creationId xmlns:p14="http://schemas.microsoft.com/office/powerpoint/2010/main" val="1718483873"/>
       </p:ext>
     </p:extLst>
   </p:cSld>
@@ -17546,36 +17080,8 @@
           <a:p>
             <a:r>
               <a:rPr lang="ko-KR" altLang="en-US"/>
-              <a:t>내가 만든 코드는</a:t>
-            </a:r>
-            <a:br>
-              <a:rPr lang="en-US" altLang="ko-KR"/>
-            </a:br>
-            <a:r>
-              <a:rPr lang="ko-KR" altLang="en-US"/>
-              <a:t>개발</a:t>
-            </a:r>
-            <a:r>
-              <a:rPr lang="en-US" altLang="ko-KR"/>
-              <a:t>/</a:t>
-            </a:r>
-            <a:r>
-              <a:rPr lang="ko-KR" altLang="en-US"/>
-              <a:t>테스트</a:t>
-            </a:r>
-            <a:r>
-              <a:rPr lang="en-US" altLang="ko-KR"/>
-              <a:t>/</a:t>
-            </a:r>
-            <a:r>
-              <a:rPr lang="ko-KR" altLang="en-US"/>
-              <a:t>운영에서 작동합니다</a:t>
-            </a:r>
-            <a:r>
-              <a:rPr lang="en-US" altLang="ko-KR"/>
-              <a:t>.</a:t>
-            </a:r>
-            <a:endParaRPr lang="ko-KR" altLang="en-US"/>
+              <a:t>호스트 이름</a:t>
+            </a:r>
           </a:p>
         </p:txBody>
       </p:sp>
@@ -17606,7 +17112,7 @@
             </a:r>
             <a:r>
               <a:rPr lang="en-US" altLang="ko-KR"/>
-              <a:t>: WAS </a:t>
+              <a:t>: SW</a:t>
             </a:r>
             <a:r>
               <a:rPr lang="ko-KR" altLang="en-US"/>
@@ -17754,36 +17260,8 @@
           <a:p>
             <a:r>
               <a:rPr lang="ko-KR" altLang="en-US"/>
-              <a:t>내가 만든 코드는</a:t>
-            </a:r>
-            <a:br>
-              <a:rPr lang="en-US" altLang="ko-KR"/>
-            </a:br>
-            <a:r>
-              <a:rPr lang="ko-KR" altLang="en-US"/>
-              <a:t>개발</a:t>
-            </a:r>
-            <a:r>
-              <a:rPr lang="en-US" altLang="ko-KR"/>
-              <a:t>/</a:t>
-            </a:r>
-            <a:r>
-              <a:rPr lang="ko-KR" altLang="en-US"/>
-              <a:t>테스트</a:t>
-            </a:r>
-            <a:r>
-              <a:rPr lang="en-US" altLang="ko-KR"/>
-              <a:t>/</a:t>
-            </a:r>
-            <a:r>
-              <a:rPr lang="ko-KR" altLang="en-US"/>
-              <a:t>운영에서 작동합니다</a:t>
-            </a:r>
-            <a:r>
-              <a:rPr lang="en-US" altLang="ko-KR"/>
-              <a:t>.</a:t>
-            </a:r>
-            <a:endParaRPr lang="ko-KR" altLang="en-US"/>
+              <a:t>호스트 이름</a:t>
+            </a:r>
           </a:p>
         </p:txBody>
       </p:sp>
@@ -17810,49 +17288,11 @@
           <a:p>
             <a:r>
               <a:rPr lang="ko-KR" altLang="en-US"/>
-              <a:t>호스트 이름 </a:t>
-            </a:r>
-            <a:r>
-              <a:rPr lang="en-US" altLang="ko-KR"/>
-              <a:t>: WAS </a:t>
-            </a:r>
-            <a:r>
-              <a:rPr lang="ko-KR" altLang="en-US"/>
-              <a:t>가 실행되는 컴퓨터 이름</a:t>
+              <a:t>호스트 이름으로 실행시 필요한 기능과 데이터 결정</a:t>
             </a:r>
           </a:p>
         </p:txBody>
       </p:sp>
-      <p:pic>
-        <p:nvPicPr>
-          <p:cNvPr id="6" name="그림 5">
-            <a:extLst>
-              <a:ext uri="{FF2B5EF4-FFF2-40B4-BE49-F238E27FC236}">
-                <a16:creationId xmlns:a16="http://schemas.microsoft.com/office/drawing/2014/main" id="{822B31AE-6A8B-43EC-A28F-453D8CEB8FA6}"/>
-              </a:ext>
-            </a:extLst>
-          </p:cNvPr>
-          <p:cNvPicPr>
-            <a:picLocks noChangeAspect="1"/>
-          </p:cNvPicPr>
-          <p:nvPr/>
-        </p:nvPicPr>
-        <p:blipFill>
-          <a:blip r:embed="rId2"/>
-          <a:stretch>
-            <a:fillRect/>
-          </a:stretch>
-        </p:blipFill>
-        <p:spPr>
-          <a:xfrm>
-            <a:off x="1052640" y="2863531"/>
-            <a:ext cx="7440063" cy="1733792"/>
-          </a:xfrm>
-          <a:prstGeom prst="rect">
-            <a:avLst/>
-          </a:prstGeom>
-        </p:spPr>
-      </p:pic>
       <p:pic>
         <p:nvPicPr>
           <p:cNvPr id="9" name="그림 8">
@@ -17868,7 +17308,7 @@
           <p:nvPr/>
         </p:nvPicPr>
         <p:blipFill>
-          <a:blip r:embed="rId3"/>
+          <a:blip r:embed="rId2"/>
           <a:stretch>
             <a:fillRect/>
           </a:stretch>
@@ -17897,7 +17337,7 @@
         </p:nvSpPr>
         <p:spPr>
           <a:xfrm>
-            <a:off x="1052640" y="2485085"/>
+            <a:off x="1295400" y="2534823"/>
             <a:ext cx="2435028" cy="369332"/>
           </a:xfrm>
           <a:prstGeom prst="rect">
@@ -17973,6 +17413,36 @@
           </a:p>
         </p:txBody>
       </p:sp>
+      <p:pic>
+        <p:nvPicPr>
+          <p:cNvPr id="5" name="그림 4">
+            <a:extLst>
+              <a:ext uri="{FF2B5EF4-FFF2-40B4-BE49-F238E27FC236}">
+                <a16:creationId xmlns:a16="http://schemas.microsoft.com/office/drawing/2014/main" id="{7AAD5E5B-901A-4355-886C-510A90219548}"/>
+              </a:ext>
+            </a:extLst>
+          </p:cNvPr>
+          <p:cNvPicPr>
+            <a:picLocks noChangeAspect="1"/>
+          </p:cNvPicPr>
+          <p:nvPr/>
+        </p:nvPicPr>
+        <p:blipFill>
+          <a:blip r:embed="rId3"/>
+          <a:stretch>
+            <a:fillRect/>
+          </a:stretch>
+        </p:blipFill>
+        <p:spPr>
+          <a:xfrm>
+            <a:off x="1361732" y="2904155"/>
+            <a:ext cx="5320692" cy="1852977"/>
+          </a:xfrm>
+          <a:prstGeom prst="rect">
+            <a:avLst/>
+          </a:prstGeom>
+        </p:spPr>
+      </p:pic>
     </p:spTree>
     <p:extLst>
       <p:ext uri="{BB962C8B-B14F-4D97-AF65-F5344CB8AC3E}">
@@ -18037,35 +17507,8 @@
           <a:lstStyle/>
           <a:p>
             <a:r>
-              <a:rPr lang="ko-KR" altLang="en-US" dirty="0"/>
-              <a:t>내가 만든 코드는</a:t>
-            </a:r>
-            <a:br>
-              <a:rPr lang="en-US" altLang="ko-KR" dirty="0"/>
-            </a:br>
-            <a:r>
-              <a:rPr lang="ko-KR" altLang="en-US" dirty="0"/>
-              <a:t>개발</a:t>
-            </a:r>
-            <a:r>
-              <a:rPr lang="en-US" altLang="ko-KR" dirty="0"/>
-              <a:t>/</a:t>
-            </a:r>
-            <a:r>
-              <a:rPr lang="ko-KR" altLang="en-US" dirty="0"/>
-              <a:t>테스트</a:t>
-            </a:r>
-            <a:r>
-              <a:rPr lang="en-US" altLang="ko-KR" dirty="0"/>
-              <a:t>/</a:t>
-            </a:r>
-            <a:r>
-              <a:rPr lang="ko-KR" altLang="en-US" dirty="0"/>
-              <a:t>운영에서 작동합니다</a:t>
-            </a:r>
-            <a:r>
-              <a:rPr lang="en-US" altLang="ko-KR" dirty="0"/>
-              <a:t>.</a:t>
+              <a:rPr lang="ko-KR" altLang="en-US"/>
+              <a:t>어플리케이션 이름</a:t>
             </a:r>
             <a:endParaRPr lang="ko-KR" altLang="en-US" dirty="0"/>
           </a:p>
@@ -18089,265 +17532,109 @@
         </p:nvSpPr>
         <p:spPr/>
         <p:txBody>
-          <a:bodyPr/>
+          <a:bodyPr>
+            <a:normAutofit/>
+          </a:bodyPr>
           <a:lstStyle/>
           <a:p>
             <a:r>
+              <a:rPr lang="ko-KR" altLang="en-US"/>
+              <a:t>어플리케이션 이름 </a:t>
+            </a:r>
+            <a:r>
               <a:rPr lang="en-US" altLang="ko-KR"/>
-              <a:t>WAS(</a:t>
+              <a:t>: </a:t>
             </a:r>
             <a:r>
               <a:rPr lang="ko-KR" altLang="en-US"/>
-              <a:t>컨테이너</a:t>
+              <a:t>실행되는 </a:t>
             </a:r>
             <a:r>
               <a:rPr lang="en-US" altLang="ko-KR"/>
-              <a:t>) : WAS </a:t>
+              <a:t>SW</a:t>
             </a:r>
             <a:r>
               <a:rPr lang="ko-KR" altLang="en-US"/>
               <a:t>를 구분할 수 있는 이름</a:t>
-            </a:r>
-          </a:p>
-          <a:p>
-            <a:pPr lvl="1"/>
-            <a:r>
-              <a:rPr lang="en-US" altLang="ko-KR"/>
-              <a:t>JVM</a:t>
-            </a:r>
-            <a:r>
-              <a:rPr lang="ko-KR" altLang="en-US"/>
-              <a:t> 실행시 파라메터 전달</a:t>
             </a:r>
             <a:endParaRPr lang="en-US" altLang="ko-KR"/>
           </a:p>
           <a:p>
             <a:pPr lvl="1"/>
+            <a:r>
+              <a:rPr lang="ko-KR" altLang="en-US"/>
+              <a:t>개발자의 소스코드에서 이름 부여</a:t>
+            </a:r>
             <a:endParaRPr lang="en-US" altLang="ko-KR"/>
           </a:p>
           <a:p>
+            <a:pPr lvl="2"/>
+            <a:r>
+              <a:rPr lang="en-US" altLang="ko-KR"/>
+              <a:t>InitYaml.get().setAppName(”CODE5”);</a:t>
+            </a:r>
+          </a:p>
+          <a:p>
             <a:pPr lvl="1"/>
+            <a:r>
+              <a:rPr lang="en-US" altLang="ko-KR"/>
+              <a:t>java </a:t>
+            </a:r>
+            <a:r>
+              <a:rPr lang="ko-KR" altLang="en-US"/>
+              <a:t>실행시 파라메터로 이름 부여</a:t>
+            </a:r>
             <a:endParaRPr lang="en-US" altLang="ko-KR"/>
           </a:p>
           <a:p>
-            <a:pPr lvl="1"/>
+            <a:pPr lvl="2"/>
             <a:r>
               <a:rPr lang="en-US" altLang="ko-KR"/>
-              <a:t>RunCode5 </a:t>
-            </a:r>
-            <a:r>
-              <a:rPr lang="ko-KR" altLang="en-US"/>
-              <a:t>실행시 환경변수 전달 </a:t>
-            </a:r>
-            <a:r>
-              <a:rPr lang="en-US" altLang="ko-KR"/>
-              <a:t>(</a:t>
-            </a:r>
-            <a:r>
-              <a:rPr lang="ko-KR" altLang="en-US"/>
-              <a:t>톰캣은 모듈</a:t>
-            </a:r>
-            <a:r>
-              <a:rPr lang="en-US" altLang="ko-KR"/>
-              <a:t>)</a:t>
+              <a:t>Java com.code5.fw.RunCode5 –Dcom.code5.app.name=CODE5</a:t>
             </a:r>
           </a:p>
           <a:p>
             <a:pPr lvl="1"/>
+            <a:r>
+              <a:rPr lang="en-US" altLang="ko-KR"/>
+              <a:t>java </a:t>
+            </a:r>
+            <a:r>
+              <a:rPr lang="ko-KR" altLang="en-US"/>
+              <a:t>실행중 이름 부여</a:t>
+            </a:r>
             <a:endParaRPr lang="en-US" altLang="ko-KR"/>
           </a:p>
           <a:p>
-            <a:pPr lvl="1"/>
-            <a:endParaRPr lang="en-US" altLang="ko-KR"/>
+            <a:pPr lvl="2"/>
+            <a:r>
+              <a:rPr lang="en-US" altLang="ko-KR"/>
+              <a:t>System.getProperties().setProperty("com.code5.app.name", "CODE5");</a:t>
+            </a:r>
           </a:p>
           <a:p>
-            <a:pPr lvl="1"/>
+            <a:pPr lvl="2"/>
             <a:r>
               <a:rPr lang="ko-KR" altLang="en-US"/>
-              <a:t>하드코딩</a:t>
+              <a:t>실행되는 </a:t>
+            </a:r>
+            <a:r>
+              <a:rPr lang="en-US" altLang="ko-KR"/>
+              <a:t>SW </a:t>
+            </a:r>
+            <a:r>
+              <a:rPr lang="ko-KR" altLang="en-US"/>
+              <a:t>가 모듈 환경일때 모듈을 실행하는 </a:t>
+            </a:r>
+            <a:r>
+              <a:rPr lang="en-US" altLang="ko-KR"/>
+              <a:t>java </a:t>
+            </a:r>
+            <a:r>
+              <a:rPr lang="ko-KR" altLang="en-US"/>
+              <a:t>코드에서 전달</a:t>
             </a:r>
             <a:endParaRPr lang="en-US" altLang="ko-KR"/>
-          </a:p>
-          <a:p>
-            <a:pPr marL="274320" lvl="1" indent="0">
-              <a:buNone/>
-            </a:pPr>
-            <a:endParaRPr lang="en-US" altLang="ko-KR"/>
-          </a:p>
-          <a:p>
-            <a:pPr lvl="1"/>
-            <a:endParaRPr lang="en-US" altLang="ko-KR"/>
-          </a:p>
-          <a:p>
-            <a:endParaRPr lang="ko-KR" altLang="en-US" dirty="0"/>
-          </a:p>
-        </p:txBody>
-      </p:sp>
-      <p:pic>
-        <p:nvPicPr>
-          <p:cNvPr id="5" name="그림 4">
-            <a:extLst>
-              <a:ext uri="{FF2B5EF4-FFF2-40B4-BE49-F238E27FC236}">
-                <a16:creationId xmlns:a16="http://schemas.microsoft.com/office/drawing/2014/main" id="{F6CFB4E7-E88A-42CA-812C-D3D8AD1C753A}"/>
-              </a:ext>
-            </a:extLst>
-          </p:cNvPr>
-          <p:cNvPicPr>
-            <a:picLocks noChangeAspect="1"/>
-          </p:cNvPicPr>
-          <p:nvPr/>
-        </p:nvPicPr>
-        <p:blipFill>
-          <a:blip r:embed="rId2"/>
-          <a:stretch>
-            <a:fillRect/>
-          </a:stretch>
-        </p:blipFill>
-        <p:spPr>
-          <a:xfrm>
-            <a:off x="1547134" y="3914923"/>
-            <a:ext cx="5187988" cy="746089"/>
-          </a:xfrm>
-          <a:prstGeom prst="rect">
-            <a:avLst/>
-          </a:prstGeom>
-        </p:spPr>
-      </p:pic>
-      <p:pic>
-        <p:nvPicPr>
-          <p:cNvPr id="6" name="그림 5">
-            <a:extLst>
-              <a:ext uri="{FF2B5EF4-FFF2-40B4-BE49-F238E27FC236}">
-                <a16:creationId xmlns:a16="http://schemas.microsoft.com/office/drawing/2014/main" id="{5EF5952D-092E-44EF-90E5-5C1E66841E05}"/>
-              </a:ext>
-            </a:extLst>
-          </p:cNvPr>
-          <p:cNvPicPr>
-            <a:picLocks noChangeAspect="1"/>
-          </p:cNvPicPr>
-          <p:nvPr/>
-        </p:nvPicPr>
-        <p:blipFill>
-          <a:blip r:embed="rId3"/>
-          <a:stretch>
-            <a:fillRect/>
-          </a:stretch>
-        </p:blipFill>
-        <p:spPr>
-          <a:xfrm>
-            <a:off x="6420838" y="3931541"/>
-            <a:ext cx="5771162" cy="746089"/>
-          </a:xfrm>
-          <a:prstGeom prst="rect">
-            <a:avLst/>
-          </a:prstGeom>
-        </p:spPr>
-      </p:pic>
-      <p:sp>
-        <p:nvSpPr>
-          <p:cNvPr id="7" name="TextBox 6">
-            <a:extLst>
-              <a:ext uri="{FF2B5EF4-FFF2-40B4-BE49-F238E27FC236}">
-                <a16:creationId xmlns:a16="http://schemas.microsoft.com/office/drawing/2014/main" id="{C4733ACB-E5BB-42FA-B52E-08DCFE7298C5}"/>
-              </a:ext>
-            </a:extLst>
-          </p:cNvPr>
-          <p:cNvSpPr txBox="1"/>
-          <p:nvPr/>
-        </p:nvSpPr>
-        <p:spPr>
-          <a:xfrm>
-            <a:off x="1708997" y="2808934"/>
-            <a:ext cx="8211838" cy="923330"/>
-          </a:xfrm>
-          <a:prstGeom prst="rect">
-            <a:avLst/>
-          </a:prstGeom>
-          <a:noFill/>
-        </p:spPr>
-        <p:txBody>
-          <a:bodyPr wrap="square" rtlCol="0">
-            <a:spAutoFit/>
-          </a:bodyPr>
-          <a:lstStyle/>
-          <a:p>
-            <a:r>
-              <a:rPr lang="en-US" altLang="ko-KR"/>
-              <a:t>java com.code5.fw.RunCode5 –Dcom.code5.app.name=</a:t>
-            </a:r>
-            <a:r>
-              <a:rPr lang="ko-KR" altLang="en-US"/>
-              <a:t>도커</a:t>
-            </a:r>
-            <a:r>
-              <a:rPr lang="en-US" altLang="ko-KR"/>
-              <a:t>1</a:t>
-            </a:r>
-          </a:p>
-          <a:p>
-            <a:r>
-              <a:rPr lang="en-US" altLang="ko-KR"/>
-              <a:t>java com.code5.fw.RunCode5 –Dcom.code5.app.name=</a:t>
-            </a:r>
-            <a:r>
-              <a:rPr lang="ko-KR" altLang="en-US"/>
-              <a:t>도커</a:t>
-            </a:r>
-            <a:r>
-              <a:rPr lang="en-US" altLang="ko-KR"/>
-              <a:t>2</a:t>
-            </a:r>
-            <a:endParaRPr lang="ko-KR" altLang="en-US"/>
-          </a:p>
-          <a:p>
-            <a:r>
-              <a:rPr lang="ko-KR" altLang="en-US"/>
-              <a:t> </a:t>
-            </a:r>
-            <a:endParaRPr lang="ko-KR" altLang="en-US" dirty="0"/>
-          </a:p>
-        </p:txBody>
-      </p:sp>
-      <p:sp>
-        <p:nvSpPr>
-          <p:cNvPr id="9" name="TextBox 8">
-            <a:extLst>
-              <a:ext uri="{FF2B5EF4-FFF2-40B4-BE49-F238E27FC236}">
-                <a16:creationId xmlns:a16="http://schemas.microsoft.com/office/drawing/2014/main" id="{E02EC9BA-FA96-4BC9-974A-FC6AB31402F6}"/>
-              </a:ext>
-            </a:extLst>
-          </p:cNvPr>
-          <p:cNvSpPr txBox="1"/>
-          <p:nvPr/>
-        </p:nvSpPr>
-        <p:spPr>
-          <a:xfrm>
-            <a:off x="1708997" y="5118997"/>
-            <a:ext cx="8211838" cy="646331"/>
-          </a:xfrm>
-          <a:prstGeom prst="rect">
-            <a:avLst/>
-          </a:prstGeom>
-          <a:noFill/>
-        </p:spPr>
-        <p:txBody>
-          <a:bodyPr wrap="square" rtlCol="0">
-            <a:spAutoFit/>
-          </a:bodyPr>
-          <a:lstStyle/>
-          <a:p>
-            <a:r>
-              <a:rPr lang="en-US" altLang="ko-KR"/>
-              <a:t>InitYaml.get().setAppName(InitCode5DBByDev.class.getName());</a:t>
-            </a:r>
-            <a:endParaRPr lang="ko-KR" altLang="en-US"/>
-          </a:p>
-          <a:p>
-            <a:r>
-              <a:rPr lang="ko-KR" altLang="en-US"/>
-              <a:t> </a:t>
-            </a:r>
-            <a:endParaRPr lang="ko-KR" altLang="en-US" dirty="0"/>
           </a:p>
         </p:txBody>
       </p:sp>
@@ -18398,7 +17685,7 @@
           <p:cNvPr id="2" name="제목 1">
             <a:extLst>
               <a:ext uri="{FF2B5EF4-FFF2-40B4-BE49-F238E27FC236}">
-                <a16:creationId xmlns:a16="http://schemas.microsoft.com/office/drawing/2014/main" id="{1A765802-9A5E-43C8-905D-D26AC72333C9}"/>
+                <a16:creationId xmlns:a16="http://schemas.microsoft.com/office/drawing/2014/main" id="{E771E725-837A-4375-BCD0-8688D289A882}"/>
               </a:ext>
             </a:extLst>
           </p:cNvPr>
@@ -18416,36 +17703,9 @@
           <a:p>
             <a:r>
               <a:rPr lang="ko-KR" altLang="en-US"/>
-              <a:t>내가 만든 코드는</a:t>
-            </a:r>
-            <a:br>
-              <a:rPr lang="en-US" altLang="ko-KR"/>
-            </a:br>
-            <a:r>
-              <a:rPr lang="ko-KR" altLang="en-US"/>
-              <a:t>개발</a:t>
-            </a:r>
-            <a:r>
-              <a:rPr lang="en-US" altLang="ko-KR"/>
-              <a:t>/</a:t>
-            </a:r>
-            <a:r>
-              <a:rPr lang="ko-KR" altLang="en-US"/>
-              <a:t>테스트</a:t>
-            </a:r>
-            <a:r>
-              <a:rPr lang="en-US" altLang="ko-KR"/>
-              <a:t>/</a:t>
-            </a:r>
-            <a:r>
-              <a:rPr lang="ko-KR" altLang="en-US"/>
-              <a:t>운영에서 작동합니다</a:t>
-            </a:r>
-            <a:r>
-              <a:rPr lang="en-US" altLang="ko-KR"/>
-              <a:t>.</a:t>
-            </a:r>
-            <a:endParaRPr lang="ko-KR" altLang="en-US"/>
+              <a:t>어플리케이션 이름</a:t>
+            </a:r>
+            <a:endParaRPr lang="ko-KR" altLang="en-US" dirty="0"/>
           </a:p>
         </p:txBody>
       </p:sp>
@@ -18454,7 +17714,7 @@
           <p:cNvPr id="3" name="내용 개체 틀 2">
             <a:extLst>
               <a:ext uri="{FF2B5EF4-FFF2-40B4-BE49-F238E27FC236}">
-                <a16:creationId xmlns:a16="http://schemas.microsoft.com/office/drawing/2014/main" id="{5DB796C6-894B-4CA4-B1DE-DBBD54E249DF}"/>
+                <a16:creationId xmlns:a16="http://schemas.microsoft.com/office/drawing/2014/main" id="{3924FAA9-0903-4D0F-A299-974AF8AF3D96}"/>
               </a:ext>
             </a:extLst>
           </p:cNvPr>
@@ -18467,103 +17727,25 @@
         </p:nvSpPr>
         <p:spPr/>
         <p:txBody>
-          <a:bodyPr/>
-          <a:lstStyle/>
-          <a:p>
-            <a:r>
-              <a:rPr lang="en-US" altLang="ko-KR"/>
-              <a:t>WAS(</a:t>
-            </a:r>
-            <a:r>
-              <a:rPr lang="ko-KR" altLang="en-US"/>
-              <a:t>컨테이너</a:t>
-            </a:r>
-            <a:r>
-              <a:rPr lang="en-US" altLang="ko-KR"/>
-              <a:t>) : WAS </a:t>
-            </a:r>
-            <a:r>
-              <a:rPr lang="ko-KR" altLang="en-US"/>
-              <a:t>를 구분할 수 있는 이름</a:t>
-            </a:r>
-          </a:p>
-          <a:p>
-            <a:pPr marL="0" indent="0">
-              <a:buNone/>
-            </a:pPr>
-            <a:endParaRPr lang="ko-KR" altLang="en-US"/>
-          </a:p>
-        </p:txBody>
-      </p:sp>
-      <p:sp>
-        <p:nvSpPr>
-          <p:cNvPr id="14" name="TextBox 13">
-            <a:extLst>
-              <a:ext uri="{FF2B5EF4-FFF2-40B4-BE49-F238E27FC236}">
-                <a16:creationId xmlns:a16="http://schemas.microsoft.com/office/drawing/2014/main" id="{EC8DDAF9-8F5C-409C-BCC3-290A829F83C6}"/>
-              </a:ext>
-            </a:extLst>
-          </p:cNvPr>
-          <p:cNvSpPr txBox="1"/>
-          <p:nvPr/>
-        </p:nvSpPr>
-        <p:spPr>
-          <a:xfrm>
-            <a:off x="1169220" y="2872100"/>
-            <a:ext cx="2892981" cy="369332"/>
-          </a:xfrm>
-          <a:prstGeom prst="rect">
-            <a:avLst/>
-          </a:prstGeom>
-          <a:noFill/>
-        </p:spPr>
-        <p:txBody>
-          <a:bodyPr wrap="square" rtlCol="0">
-            <a:spAutoFit/>
+          <a:bodyPr>
+            <a:normAutofit/>
           </a:bodyPr>
           <a:lstStyle/>
           <a:p>
             <a:r>
-              <a:rPr lang="en-US" altLang="ko-KR" sz="1800">
-                <a:solidFill>
-                  <a:schemeClr val="accent1"/>
-                </a:solidFill>
-                <a:latin typeface="Consolas" panose="020B0609020204030204" pitchFamily="49" charset="0"/>
-              </a:rPr>
-              <a:t>- </a:t>
-            </a:r>
-            <a:r>
-              <a:rPr lang="en-US" altLang="ko-KR">
-                <a:solidFill>
-                  <a:schemeClr val="accent1"/>
-                </a:solidFill>
-                <a:latin typeface="Consolas" panose="020B0609020204030204" pitchFamily="49" charset="0"/>
-              </a:rPr>
-              <a:t>TraceRunnter</a:t>
-            </a:r>
-            <a:r>
-              <a:rPr lang="en-US" altLang="ko-KR" sz="1800">
-                <a:solidFill>
-                  <a:schemeClr val="accent1"/>
-                </a:solidFill>
-                <a:latin typeface="Consolas" panose="020B0609020204030204" pitchFamily="49" charset="0"/>
-              </a:rPr>
-              <a:t>.java</a:t>
-            </a:r>
-            <a:endParaRPr lang="ko-KR" altLang="en-US" dirty="0">
-              <a:solidFill>
-                <a:schemeClr val="accent1"/>
-              </a:solidFill>
-            </a:endParaRPr>
+              <a:rPr lang="ko-KR" altLang="en-US"/>
+              <a:t>어플리케이션 이름은 한번 결정되면 실행중 변경되지 않음</a:t>
+            </a:r>
+            <a:endParaRPr lang="en-US" altLang="ko-KR"/>
           </a:p>
         </p:txBody>
       </p:sp>
       <p:pic>
         <p:nvPicPr>
-          <p:cNvPr id="16" name="그림 15">
+          <p:cNvPr id="5" name="그림 4">
             <a:extLst>
               <a:ext uri="{FF2B5EF4-FFF2-40B4-BE49-F238E27FC236}">
-                <a16:creationId xmlns:a16="http://schemas.microsoft.com/office/drawing/2014/main" id="{98BCFEC7-8260-4882-9D64-D030E6601A49}"/>
+                <a16:creationId xmlns:a16="http://schemas.microsoft.com/office/drawing/2014/main" id="{0ABC524A-9735-49A0-BEC0-A3B9AC8E9770}"/>
               </a:ext>
             </a:extLst>
           </p:cNvPr>
@@ -18580,8 +17762,38 @@
         </p:blipFill>
         <p:spPr>
           <a:xfrm>
-            <a:off x="1295400" y="3241432"/>
-            <a:ext cx="7925906" cy="1914792"/>
+            <a:off x="1691362" y="4021710"/>
+            <a:ext cx="3119426" cy="1236473"/>
+          </a:xfrm>
+          <a:prstGeom prst="rect">
+            <a:avLst/>
+          </a:prstGeom>
+        </p:spPr>
+      </p:pic>
+      <p:pic>
+        <p:nvPicPr>
+          <p:cNvPr id="9" name="그림 8">
+            <a:extLst>
+              <a:ext uri="{FF2B5EF4-FFF2-40B4-BE49-F238E27FC236}">
+                <a16:creationId xmlns:a16="http://schemas.microsoft.com/office/drawing/2014/main" id="{F8E841FB-C010-4BDD-A503-FE64C05BCD1D}"/>
+              </a:ext>
+            </a:extLst>
+          </p:cNvPr>
+          <p:cNvPicPr>
+            <a:picLocks noChangeAspect="1"/>
+          </p:cNvPicPr>
+          <p:nvPr/>
+        </p:nvPicPr>
+        <p:blipFill>
+          <a:blip r:embed="rId3"/>
+          <a:stretch>
+            <a:fillRect/>
+          </a:stretch>
+        </p:blipFill>
+        <p:spPr>
+          <a:xfrm>
+            <a:off x="1691362" y="2642757"/>
+            <a:ext cx="6005386" cy="845937"/>
           </a:xfrm>
           <a:prstGeom prst="rect">
             <a:avLst/>
@@ -18591,7 +17803,7 @@
     </p:spTree>
     <p:extLst>
       <p:ext uri="{BB962C8B-B14F-4D97-AF65-F5344CB8AC3E}">
-        <p14:creationId xmlns:p14="http://schemas.microsoft.com/office/powerpoint/2010/main" val="4283897"/>
+        <p14:creationId xmlns:p14="http://schemas.microsoft.com/office/powerpoint/2010/main" val="2162974697"/>
       </p:ext>
     </p:extLst>
   </p:cSld>
@@ -18635,7 +17847,7 @@
           <p:cNvPr id="2" name="제목 1">
             <a:extLst>
               <a:ext uri="{FF2B5EF4-FFF2-40B4-BE49-F238E27FC236}">
-                <a16:creationId xmlns:a16="http://schemas.microsoft.com/office/drawing/2014/main" id="{28D78D5F-E582-4987-91DF-9C7C5BEBD4EB}"/>
+                <a16:creationId xmlns:a16="http://schemas.microsoft.com/office/drawing/2014/main" id="{1A765802-9A5E-43C8-905D-D26AC72333C9}"/>
               </a:ext>
             </a:extLst>
           </p:cNvPr>
@@ -18652,37 +17864,9 @@
           <a:lstStyle/>
           <a:p>
             <a:r>
-              <a:rPr lang="ko-KR" altLang="en-US" dirty="0"/>
-              <a:t>내가 만든 코드는</a:t>
-            </a:r>
-            <a:br>
-              <a:rPr lang="en-US" altLang="ko-KR" dirty="0"/>
-            </a:br>
-            <a:r>
-              <a:rPr lang="ko-KR" altLang="en-US" dirty="0"/>
-              <a:t>개발</a:t>
-            </a:r>
-            <a:r>
-              <a:rPr lang="en-US" altLang="ko-KR" dirty="0"/>
-              <a:t>/</a:t>
-            </a:r>
-            <a:r>
-              <a:rPr lang="ko-KR" altLang="en-US" dirty="0"/>
-              <a:t>테스트</a:t>
-            </a:r>
-            <a:r>
-              <a:rPr lang="en-US" altLang="ko-KR" dirty="0"/>
-              <a:t>/</a:t>
-            </a:r>
-            <a:r>
-              <a:rPr lang="ko-KR" altLang="en-US" dirty="0"/>
-              <a:t>운영에서 작동합니다</a:t>
-            </a:r>
-            <a:r>
-              <a:rPr lang="en-US" altLang="ko-KR" dirty="0"/>
-              <a:t>.</a:t>
-            </a:r>
-            <a:endParaRPr lang="ko-KR" altLang="en-US" dirty="0"/>
+              <a:rPr lang="ko-KR" altLang="en-US"/>
+              <a:t>어플리케이션 이름</a:t>
+            </a:r>
           </a:p>
         </p:txBody>
       </p:sp>
@@ -18691,7 +17875,7 @@
           <p:cNvPr id="3" name="내용 개체 틀 2">
             <a:extLst>
               <a:ext uri="{FF2B5EF4-FFF2-40B4-BE49-F238E27FC236}">
-                <a16:creationId xmlns:a16="http://schemas.microsoft.com/office/drawing/2014/main" id="{DFA47AE3-6532-4E43-9E16-6D279FF62F6D}"/>
+                <a16:creationId xmlns:a16="http://schemas.microsoft.com/office/drawing/2014/main" id="{5DB796C6-894B-4CA4-B1DE-DBBD54E249DF}"/>
               </a:ext>
             </a:extLst>
           </p:cNvPr>
@@ -18709,41 +17893,93 @@
           <a:p>
             <a:r>
               <a:rPr lang="ko-KR" altLang="en-US"/>
-              <a:t>리로드 기능 </a:t>
-            </a:r>
-            <a:r>
-              <a:rPr lang="en-US" altLang="ko-KR"/>
-              <a:t>: </a:t>
-            </a:r>
+              <a:t>어플리케이션 이름을 사용 자원의 배분</a:t>
+            </a:r>
+            <a:endParaRPr lang="en-US" altLang="ko-KR"/>
+          </a:p>
+          <a:p>
+            <a:pPr lvl="1"/>
             <a:r>
               <a:rPr lang="ko-KR" altLang="en-US"/>
-              <a:t>재사용</a:t>
-            </a:r>
-            <a:r>
-              <a:rPr lang="en-US" altLang="ko-KR"/>
-              <a:t>(</a:t>
-            </a:r>
-            <a:r>
-              <a:rPr lang="ko-KR" altLang="en-US"/>
-              <a:t>캐쉬</a:t>
-            </a:r>
-            <a:r>
-              <a:rPr lang="en-US" altLang="ko-KR"/>
-              <a:t>)</a:t>
-            </a:r>
-            <a:r>
-              <a:rPr lang="ko-KR" altLang="en-US"/>
-              <a:t>된 데이터를 삭제</a:t>
-            </a:r>
+              <a:t>하나의 컴퓨터에서 여러 개의 어플리케이션이 수행됨</a:t>
+            </a:r>
+            <a:endParaRPr lang="en-US" altLang="ko-KR"/>
+          </a:p>
+          <a:p>
+            <a:pPr lvl="1"/>
+            <a:endParaRPr lang="ko-KR" altLang="en-US"/>
+          </a:p>
+        </p:txBody>
+      </p:sp>
+      <p:sp>
+        <p:nvSpPr>
+          <p:cNvPr id="14" name="TextBox 13">
+            <a:extLst>
+              <a:ext uri="{FF2B5EF4-FFF2-40B4-BE49-F238E27FC236}">
+                <a16:creationId xmlns:a16="http://schemas.microsoft.com/office/drawing/2014/main" id="{EC8DDAF9-8F5C-409C-BCC3-290A829F83C6}"/>
+              </a:ext>
+            </a:extLst>
+          </p:cNvPr>
+          <p:cNvSpPr txBox="1"/>
+          <p:nvPr/>
+        </p:nvSpPr>
+        <p:spPr>
+          <a:xfrm>
+            <a:off x="1583660" y="3044146"/>
+            <a:ext cx="2892981" cy="369332"/>
+          </a:xfrm>
+          <a:prstGeom prst="rect">
+            <a:avLst/>
+          </a:prstGeom>
+          <a:noFill/>
+        </p:spPr>
+        <p:txBody>
+          <a:bodyPr wrap="square" rtlCol="0">
+            <a:spAutoFit/>
+          </a:bodyPr>
+          <a:lstStyle/>
+          <a:p>
+            <a:r>
+              <a:rPr lang="en-US" altLang="ko-KR" sz="1800">
+                <a:solidFill>
+                  <a:schemeClr val="accent1"/>
+                </a:solidFill>
+                <a:latin typeface="Consolas" panose="020B0609020204030204" pitchFamily="49" charset="0"/>
+              </a:rPr>
+              <a:t>- </a:t>
+            </a:r>
+            <a:r>
+              <a:rPr lang="en-US" altLang="ko-KR">
+                <a:solidFill>
+                  <a:schemeClr val="accent1"/>
+                </a:solidFill>
+                <a:latin typeface="Consolas" panose="020B0609020204030204" pitchFamily="49" charset="0"/>
+              </a:rPr>
+              <a:t>TraceRunnter</a:t>
+            </a:r>
+            <a:r>
+              <a:rPr lang="en-US" altLang="ko-KR" sz="1800">
+                <a:solidFill>
+                  <a:schemeClr val="accent1"/>
+                </a:solidFill>
+                <a:latin typeface="Consolas" panose="020B0609020204030204" pitchFamily="49" charset="0"/>
+              </a:rPr>
+              <a:t>.java</a:t>
+            </a:r>
+            <a:endParaRPr lang="ko-KR" altLang="en-US" dirty="0">
+              <a:solidFill>
+                <a:schemeClr val="accent1"/>
+              </a:solidFill>
+            </a:endParaRPr>
           </a:p>
         </p:txBody>
       </p:sp>
       <p:pic>
         <p:nvPicPr>
-          <p:cNvPr id="5" name="그림 4">
+          <p:cNvPr id="16" name="그림 15">
             <a:extLst>
               <a:ext uri="{FF2B5EF4-FFF2-40B4-BE49-F238E27FC236}">
-                <a16:creationId xmlns:a16="http://schemas.microsoft.com/office/drawing/2014/main" id="{EC8B74BB-09AE-4AA2-9B8D-4C16D9D02BF7}"/>
+                <a16:creationId xmlns:a16="http://schemas.microsoft.com/office/drawing/2014/main" id="{98BCFEC7-8260-4882-9D64-D030E6601A49}"/>
               </a:ext>
             </a:extLst>
           </p:cNvPr>
@@ -18760,138 +17996,18 @@
         </p:blipFill>
         <p:spPr>
           <a:xfrm>
-            <a:off x="1218533" y="3170149"/>
-            <a:ext cx="3915871" cy="1582886"/>
+            <a:off x="1676947" y="3519027"/>
+            <a:ext cx="7925906" cy="1914792"/>
           </a:xfrm>
           <a:prstGeom prst="rect">
             <a:avLst/>
           </a:prstGeom>
         </p:spPr>
       </p:pic>
-      <p:pic>
-        <p:nvPicPr>
-          <p:cNvPr id="7" name="그림 6">
-            <a:extLst>
-              <a:ext uri="{FF2B5EF4-FFF2-40B4-BE49-F238E27FC236}">
-                <a16:creationId xmlns:a16="http://schemas.microsoft.com/office/drawing/2014/main" id="{7C4D7D72-B0D0-4AEF-94A3-F4EF665FA2E5}"/>
-              </a:ext>
-            </a:extLst>
-          </p:cNvPr>
-          <p:cNvPicPr>
-            <a:picLocks noChangeAspect="1"/>
-          </p:cNvPicPr>
-          <p:nvPr/>
-        </p:nvPicPr>
-        <p:blipFill>
-          <a:blip r:embed="rId3"/>
-          <a:stretch>
-            <a:fillRect/>
-          </a:stretch>
-        </p:blipFill>
-        <p:spPr>
-          <a:xfrm>
-            <a:off x="5729935" y="2967848"/>
-            <a:ext cx="5762196" cy="2925975"/>
-          </a:xfrm>
-          <a:prstGeom prst="rect">
-            <a:avLst/>
-          </a:prstGeom>
-        </p:spPr>
-      </p:pic>
-      <p:sp>
-        <p:nvSpPr>
-          <p:cNvPr id="10" name="TextBox 9">
-            <a:extLst>
-              <a:ext uri="{FF2B5EF4-FFF2-40B4-BE49-F238E27FC236}">
-                <a16:creationId xmlns:a16="http://schemas.microsoft.com/office/drawing/2014/main" id="{E87EFB7E-FE0B-4BCD-AAFA-D8C3E3D895D7}"/>
-              </a:ext>
-            </a:extLst>
-          </p:cNvPr>
-          <p:cNvSpPr txBox="1"/>
-          <p:nvPr/>
-        </p:nvSpPr>
-        <p:spPr>
-          <a:xfrm>
-            <a:off x="5729934" y="2495893"/>
-            <a:ext cx="3414065" cy="369332"/>
-          </a:xfrm>
-          <a:prstGeom prst="rect">
-            <a:avLst/>
-          </a:prstGeom>
-          <a:noFill/>
-        </p:spPr>
-        <p:txBody>
-          <a:bodyPr wrap="square" rtlCol="0">
-            <a:spAutoFit/>
-          </a:bodyPr>
-          <a:lstStyle/>
-          <a:p>
-            <a:r>
-              <a:rPr lang="en-US" altLang="ko-KR" sz="1800">
-                <a:solidFill>
-                  <a:schemeClr val="accent1"/>
-                </a:solidFill>
-                <a:latin typeface="Consolas" panose="020B0609020204030204" pitchFamily="49" charset="0"/>
-              </a:rPr>
-              <a:t>- MasterController.java</a:t>
-            </a:r>
-            <a:endParaRPr lang="ko-KR" altLang="en-US" dirty="0">
-              <a:solidFill>
-                <a:schemeClr val="accent1"/>
-              </a:solidFill>
-            </a:endParaRPr>
-          </a:p>
-        </p:txBody>
-      </p:sp>
-      <p:sp>
-        <p:nvSpPr>
-          <p:cNvPr id="11" name="TextBox 10">
-            <a:extLst>
-              <a:ext uri="{FF2B5EF4-FFF2-40B4-BE49-F238E27FC236}">
-                <a16:creationId xmlns:a16="http://schemas.microsoft.com/office/drawing/2014/main" id="{82C62274-000B-47CE-B7FE-23819C682B24}"/>
-              </a:ext>
-            </a:extLst>
-          </p:cNvPr>
-          <p:cNvSpPr txBox="1"/>
-          <p:nvPr/>
-        </p:nvSpPr>
-        <p:spPr>
-          <a:xfrm>
-            <a:off x="1218533" y="2680559"/>
-            <a:ext cx="2435028" cy="369332"/>
-          </a:xfrm>
-          <a:prstGeom prst="rect">
-            <a:avLst/>
-          </a:prstGeom>
-          <a:noFill/>
-        </p:spPr>
-        <p:txBody>
-          <a:bodyPr wrap="square" rtlCol="0">
-            <a:spAutoFit/>
-          </a:bodyPr>
-          <a:lstStyle/>
-          <a:p>
-            <a:r>
-              <a:rPr lang="en-US" altLang="ko-KR" sz="1800">
-                <a:solidFill>
-                  <a:schemeClr val="accent1"/>
-                </a:solidFill>
-                <a:latin typeface="Consolas" panose="020B0609020204030204" pitchFamily="49" charset="0"/>
-              </a:rPr>
-              <a:t>- Admin.java</a:t>
-            </a:r>
-            <a:endParaRPr lang="ko-KR" altLang="en-US" dirty="0">
-              <a:solidFill>
-                <a:schemeClr val="accent1"/>
-              </a:solidFill>
-            </a:endParaRPr>
-          </a:p>
-        </p:txBody>
-      </p:sp>
     </p:spTree>
     <p:extLst>
       <p:ext uri="{BB962C8B-B14F-4D97-AF65-F5344CB8AC3E}">
-        <p14:creationId xmlns:p14="http://schemas.microsoft.com/office/powerpoint/2010/main" val="2983092278"/>
+        <p14:creationId xmlns:p14="http://schemas.microsoft.com/office/powerpoint/2010/main" val="4283897"/>
       </p:ext>
     </p:extLst>
   </p:cSld>
